--- a/slides/presentazione 21-05-19.pptx
+++ b/slides/presentazione 21-05-19.pptx
@@ -234,7 +234,7 @@
           <a:p>
             <a:fld id="{C2DA5780-C903-4978-8C5C-CC56200581D3}" type="datetimeFigureOut">
               <a:rPr lang="en-US" smtClean="0"/>
-              <a:t>5/19/2019</a:t>
+              <a:t>5/21/2019</a:t>
             </a:fld>
             <a:endParaRPr lang="en-US" dirty="0"/>
           </a:p>
@@ -681,7 +681,7 @@
           <a:p>
             <a:fld id="{8DF5B5D2-CA2A-6548-955E-9897154AE4E2}" type="datetimeFigureOut">
               <a:rPr lang="it-IT" smtClean="0"/>
-              <a:t>19/05/2019</a:t>
+              <a:t>21/05/2019</a:t>
             </a:fld>
             <a:endParaRPr lang="it-IT" dirty="0"/>
           </a:p>
@@ -849,7 +849,7 @@
           <a:p>
             <a:fld id="{8DF5B5D2-CA2A-6548-955E-9897154AE4E2}" type="datetimeFigureOut">
               <a:rPr lang="it-IT" smtClean="0"/>
-              <a:t>19/05/2019</a:t>
+              <a:t>21/05/2019</a:t>
             </a:fld>
             <a:endParaRPr lang="it-IT" dirty="0"/>
           </a:p>
@@ -1027,7 +1027,7 @@
           <a:p>
             <a:fld id="{8DF5B5D2-CA2A-6548-955E-9897154AE4E2}" type="datetimeFigureOut">
               <a:rPr lang="it-IT" smtClean="0"/>
-              <a:t>19/05/2019</a:t>
+              <a:t>21/05/2019</a:t>
             </a:fld>
             <a:endParaRPr lang="it-IT" dirty="0"/>
           </a:p>
@@ -1195,7 +1195,7 @@
           <a:p>
             <a:fld id="{8DF5B5D2-CA2A-6548-955E-9897154AE4E2}" type="datetimeFigureOut">
               <a:rPr lang="it-IT" smtClean="0"/>
-              <a:t>19/05/2019</a:t>
+              <a:t>21/05/2019</a:t>
             </a:fld>
             <a:endParaRPr lang="it-IT" dirty="0"/>
           </a:p>
@@ -1440,7 +1440,7 @@
           <a:p>
             <a:fld id="{8DF5B5D2-CA2A-6548-955E-9897154AE4E2}" type="datetimeFigureOut">
               <a:rPr lang="it-IT" smtClean="0"/>
-              <a:t>19/05/2019</a:t>
+              <a:t>21/05/2019</a:t>
             </a:fld>
             <a:endParaRPr lang="it-IT" dirty="0"/>
           </a:p>
@@ -1725,7 +1725,7 @@
           <a:p>
             <a:fld id="{8DF5B5D2-CA2A-6548-955E-9897154AE4E2}" type="datetimeFigureOut">
               <a:rPr lang="it-IT" smtClean="0"/>
-              <a:t>19/05/2019</a:t>
+              <a:t>21/05/2019</a:t>
             </a:fld>
             <a:endParaRPr lang="it-IT" dirty="0"/>
           </a:p>
@@ -2144,7 +2144,7 @@
           <a:p>
             <a:fld id="{8DF5B5D2-CA2A-6548-955E-9897154AE4E2}" type="datetimeFigureOut">
               <a:rPr lang="it-IT" smtClean="0"/>
-              <a:t>19/05/2019</a:t>
+              <a:t>21/05/2019</a:t>
             </a:fld>
             <a:endParaRPr lang="it-IT" dirty="0"/>
           </a:p>
@@ -2261,7 +2261,7 @@
           <a:p>
             <a:fld id="{8DF5B5D2-CA2A-6548-955E-9897154AE4E2}" type="datetimeFigureOut">
               <a:rPr lang="it-IT" smtClean="0"/>
-              <a:t>19/05/2019</a:t>
+              <a:t>21/05/2019</a:t>
             </a:fld>
             <a:endParaRPr lang="it-IT" dirty="0"/>
           </a:p>
@@ -2356,7 +2356,7 @@
           <a:p>
             <a:fld id="{8DF5B5D2-CA2A-6548-955E-9897154AE4E2}" type="datetimeFigureOut">
               <a:rPr lang="it-IT" smtClean="0"/>
-              <a:t>19/05/2019</a:t>
+              <a:t>21/05/2019</a:t>
             </a:fld>
             <a:endParaRPr lang="it-IT" dirty="0"/>
           </a:p>
@@ -2631,7 +2631,7 @@
           <a:p>
             <a:fld id="{8DF5B5D2-CA2A-6548-955E-9897154AE4E2}" type="datetimeFigureOut">
               <a:rPr lang="it-IT" smtClean="0"/>
-              <a:t>19/05/2019</a:t>
+              <a:t>21/05/2019</a:t>
             </a:fld>
             <a:endParaRPr lang="it-IT" dirty="0"/>
           </a:p>
@@ -2883,7 +2883,7 @@
           <a:p>
             <a:fld id="{8DF5B5D2-CA2A-6548-955E-9897154AE4E2}" type="datetimeFigureOut">
               <a:rPr lang="it-IT" smtClean="0"/>
-              <a:t>19/05/2019</a:t>
+              <a:t>21/05/2019</a:t>
             </a:fld>
             <a:endParaRPr lang="it-IT" dirty="0"/>
           </a:p>
@@ -3094,7 +3094,7 @@
           <a:p>
             <a:fld id="{8DF5B5D2-CA2A-6548-955E-9897154AE4E2}" type="datetimeFigureOut">
               <a:rPr lang="it-IT" smtClean="0"/>
-              <a:t>19/05/2019</a:t>
+              <a:t>21/05/2019</a:t>
             </a:fld>
             <a:endParaRPr lang="it-IT" dirty="0"/>
           </a:p>
@@ -4168,7 +4168,7 @@
               <a:t>No </a:t>
             </a:r>
             <a:r>
-              <a:rPr lang="it-IT" dirty="0" err="1"/>
+              <a:rPr lang="en-US" dirty="0"/>
               <a:t>signals</a:t>
             </a:r>
             <a:r>
@@ -4176,7 +4176,7 @@
               <a:t> </a:t>
             </a:r>
             <a:r>
-              <a:rPr lang="it-IT" dirty="0" err="1"/>
+              <a:rPr lang="en-US" dirty="0"/>
               <a:t>overlapping</a:t>
             </a:r>
             <a:r>
@@ -4184,10 +4184,9 @@
               <a:t> </a:t>
             </a:r>
             <a:r>
-              <a:rPr lang="it-IT" dirty="0" err="1"/>
+              <a:rPr lang="en-US" dirty="0"/>
               <a:t>bound</a:t>
             </a:r>
-            <a:endParaRPr lang="en-US" dirty="0"/>
           </a:p>
         </p:txBody>
       </p:sp>
@@ -5043,7 +5042,7 @@
               <a:t>No </a:t>
             </a:r>
             <a:r>
-              <a:rPr lang="it-IT" dirty="0" err="1"/>
+              <a:rPr lang="en-US" dirty="0"/>
               <a:t>signals</a:t>
             </a:r>
             <a:r>
@@ -5051,7 +5050,7 @@
               <a:t> </a:t>
             </a:r>
             <a:r>
-              <a:rPr lang="it-IT" dirty="0" err="1"/>
+              <a:rPr lang="en-US" dirty="0"/>
               <a:t>overlapping</a:t>
             </a:r>
             <a:r>
@@ -5059,15 +5058,14 @@
               <a:t> </a:t>
             </a:r>
             <a:r>
-              <a:rPr lang="it-IT" dirty="0" err="1"/>
+              <a:rPr lang="en-US" dirty="0"/>
               <a:t>bound</a:t>
             </a:r>
-            <a:endParaRPr lang="en-US" dirty="0"/>
           </a:p>
         </p:txBody>
       </p:sp>
-      <mc:AlternateContent xmlns:mc="http://schemas.openxmlformats.org/markup-compatibility/2006" xmlns:a14="http://schemas.microsoft.com/office/drawing/2010/main">
-        <mc:Choice Requires="a14">
+      <mc:AlternateContent xmlns:mc="http://schemas.openxmlformats.org/markup-compatibility/2006">
+        <mc:Choice xmlns:a14="http://schemas.microsoft.com/office/drawing/2010/main" Requires="a14">
           <p:sp>
             <p:nvSpPr>
               <p:cNvPr id="11" name="CasellaDiTesto 10"/>
@@ -5095,14 +5093,21 @@
                   <a:buChar char="•"/>
                 </a:pPr>
                 <a:r>
+                  <a:rPr lang="it-IT" dirty="0" err="1">
+                    <a:latin typeface="Gill Sans Light"/>
+                    <a:cs typeface="Gill Sans Light"/>
+                  </a:rPr>
+                  <a:t>We</a:t>
+                </a:r>
+                <a:r>
                   <a:rPr lang="it-IT" dirty="0">
                     <a:latin typeface="Gill Sans Light"/>
                     <a:cs typeface="Gill Sans Light"/>
                   </a:rPr>
-                  <a:t>We </a:t>
+                  <a:t> </a:t>
                 </a:r>
                 <a:r>
-                  <a:rPr lang="it-IT" dirty="0" err="1">
+                  <a:rPr lang="en-US" dirty="0">
                     <a:latin typeface="Gill Sans Light"/>
                     <a:cs typeface="Gill Sans Light"/>
                   </a:rPr>
@@ -5401,7 +5406,7 @@
             </p:txBody>
           </p:sp>
         </mc:Choice>
-        <mc:Fallback xmlns="">
+        <mc:Fallback>
           <p:sp>
             <p:nvSpPr>
               <p:cNvPr id="11" name="CasellaDiTesto 10"/>
@@ -5971,10 +5976,9 @@
               <a:t>EA640 </a:t>
             </a:r>
             <a:r>
-              <a:rPr lang="it-IT" dirty="0" err="1"/>
+              <a:rPr lang="en-US" dirty="0"/>
               <a:t>echosounder</a:t>
             </a:r>
-            <a:endParaRPr lang="en-US" dirty="0"/>
           </a:p>
         </p:txBody>
       </p:sp>
@@ -6111,7 +6115,7 @@
           <a:lstStyle/>
           <a:p>
             <a:pPr algn="ctr"/>
-            <a:endParaRPr lang="en-US"/>
+            <a:endParaRPr lang="en-US" dirty="0"/>
           </a:p>
         </p:txBody>
       </p:sp>
@@ -6155,7 +6159,7 @@
           <a:lstStyle/>
           <a:p>
             <a:pPr algn="ctr"/>
-            <a:endParaRPr lang="en-US"/>
+            <a:endParaRPr lang="en-US" dirty="0"/>
           </a:p>
         </p:txBody>
       </p:sp>
@@ -6466,7 +6470,7 @@
           <a:p>
             <a:pPr eaLnBrk="1" hangingPunct="1"/>
             <a:r>
-              <a:rPr lang="it-IT" dirty="0" err="1"/>
+              <a:rPr lang="en-US" dirty="0"/>
               <a:t>Ping</a:t>
             </a:r>
             <a:r>
@@ -6474,10 +6478,9 @@
               <a:t> rate </a:t>
             </a:r>
             <a:r>
-              <a:rPr lang="it-IT" dirty="0" err="1"/>
+              <a:rPr lang="en-US" dirty="0"/>
               <a:t>bound</a:t>
             </a:r>
-            <a:endParaRPr lang="en-US" dirty="0"/>
           </a:p>
         </p:txBody>
       </p:sp>
@@ -6517,7 +6520,7 @@
                   <a:t>Ping rate </a:t>
                 </a:r>
                 <a:r>
-                  <a:rPr lang="it-IT" dirty="0" err="1">
+                  <a:rPr lang="en-US" dirty="0">
                     <a:latin typeface="Gill Sans Light"/>
                     <a:cs typeface="Gill Sans Light"/>
                   </a:rPr>
@@ -6531,7 +6534,7 @@
                   <a:t> limited by </a:t>
                 </a:r>
                 <a:r>
-                  <a:rPr lang="it-IT" dirty="0" err="1">
+                  <a:rPr lang="en-US" dirty="0">
                     <a:latin typeface="Gill Sans Light"/>
                     <a:cs typeface="Gill Sans Light"/>
                   </a:rPr>
@@ -6545,16 +6548,12 @@
                   <a:t> </a:t>
                 </a:r>
                 <a:r>
-                  <a:rPr lang="it-IT" dirty="0" err="1">
+                  <a:rPr lang="en-US" dirty="0">
                     <a:latin typeface="Gill Sans Light"/>
                     <a:cs typeface="Gill Sans Light"/>
                   </a:rPr>
                   <a:t>characteristics</a:t>
                 </a:r>
-                <a:endParaRPr lang="it-IT" dirty="0">
-                  <a:latin typeface="Gill Sans Light"/>
-                  <a:cs typeface="Gill Sans Light"/>
-                </a:endParaRPr>
               </a:p>
               <a:p>
                 <a:pPr marL="285750" indent="-285750">
@@ -6562,7 +6561,7 @@
                   <a:buChar char="•"/>
                 </a:pPr>
                 <a:r>
-                  <a:rPr lang="it-IT" dirty="0" err="1">
+                  <a:rPr lang="en-US" dirty="0">
                     <a:latin typeface="Gill Sans Light"/>
                     <a:cs typeface="Gill Sans Light"/>
                   </a:rPr>
@@ -6576,7 +6575,7 @@
                   <a:t> rate can be </a:t>
                 </a:r>
                 <a:r>
-                  <a:rPr lang="it-IT" dirty="0" err="1">
+                  <a:rPr lang="en-US" dirty="0">
                     <a:latin typeface="Gill Sans Light"/>
                     <a:cs typeface="Gill Sans Light"/>
                   </a:rPr>
@@ -6590,16 +6589,12 @@
                   <a:t> </a:t>
                 </a:r>
                 <a:r>
-                  <a:rPr lang="it-IT" dirty="0" err="1">
+                  <a:rPr lang="en-US" dirty="0">
                     <a:latin typeface="Gill Sans Light"/>
                     <a:cs typeface="Gill Sans Light"/>
                   </a:rPr>
                   <a:t>as</a:t>
                 </a:r>
-                <a:endParaRPr lang="it-IT" dirty="0">
-                  <a:latin typeface="Gill Sans Light"/>
-                  <a:cs typeface="Gill Sans Light"/>
-                </a:endParaRPr>
               </a:p>
               <a:p>
                 <a:pPr marL="285750" indent="-285750">
@@ -6942,7 +6937,6 @@
                 </a:endParaRPr>
               </a:p>
               <a:p>
-                <a:pPr/>
                 <a:endParaRPr lang="it-IT" dirty="0">
                   <a:latin typeface="Gill Sans Light"/>
                   <a:cs typeface="Gill Sans Light"/>
@@ -6968,6 +6962,7 @@
                 </a:endParaRPr>
               </a:p>
               <a:p>
+                <a:pPr/>
                 <a14:m>
                   <m:oMathPara xmlns:m="http://schemas.openxmlformats.org/officeDocument/2006/math">
                     <m:oMathParaPr>
@@ -7416,7 +7411,7 @@
           <a:p>
             <a:pPr eaLnBrk="1" hangingPunct="1"/>
             <a:r>
-              <a:rPr lang="it-IT" dirty="0" err="1"/>
+              <a:rPr lang="en-US" dirty="0"/>
               <a:t>Ping</a:t>
             </a:r>
             <a:r>
@@ -7424,15 +7419,14 @@
               <a:t> rate </a:t>
             </a:r>
             <a:r>
-              <a:rPr lang="it-IT" dirty="0" err="1"/>
+              <a:rPr lang="en-US" dirty="0"/>
               <a:t>bound</a:t>
             </a:r>
-            <a:endParaRPr lang="en-US" dirty="0"/>
           </a:p>
         </p:txBody>
       </p:sp>
-      <mc:AlternateContent xmlns:mc="http://schemas.openxmlformats.org/markup-compatibility/2006">
-        <mc:Choice xmlns:a14="http://schemas.microsoft.com/office/drawing/2010/main" Requires="a14">
+      <mc:AlternateContent xmlns:mc="http://schemas.openxmlformats.org/markup-compatibility/2006" xmlns:a14="http://schemas.microsoft.com/office/drawing/2010/main">
+        <mc:Choice Requires="a14">
           <p:sp>
             <p:nvSpPr>
               <p:cNvPr id="11" name="CasellaDiTesto 10"/>
@@ -7753,6 +7747,7 @@
                 </a:endParaRPr>
               </a:p>
               <a:p>
+                <a:pPr/>
                 <a14:m>
                   <m:oMathPara xmlns:m="http://schemas.openxmlformats.org/officeDocument/2006/math">
                     <m:oMathParaPr>
@@ -7864,6 +7859,7 @@
                 </a:r>
               </a:p>
               <a:p>
+                <a:pPr/>
                 <a14:m>
                   <m:oMathPara xmlns:m="http://schemas.openxmlformats.org/officeDocument/2006/math">
                     <m:oMathParaPr>
@@ -7982,7 +7978,7 @@
             </p:txBody>
           </p:sp>
         </mc:Choice>
-        <mc:Fallback>
+        <mc:Fallback xmlns="">
           <p:sp>
             <p:nvSpPr>
               <p:cNvPr id="11" name="CasellaDiTesto 10"/>
@@ -8021,8 +8017,8 @@
           </p:sp>
         </mc:Fallback>
       </mc:AlternateContent>
-      <mc:AlternateContent xmlns:mc="http://schemas.openxmlformats.org/markup-compatibility/2006">
-        <mc:Choice xmlns:a14="http://schemas.microsoft.com/office/drawing/2010/main" Requires="a14">
+      <mc:AlternateContent xmlns:mc="http://schemas.openxmlformats.org/markup-compatibility/2006" xmlns:a14="http://schemas.microsoft.com/office/drawing/2010/main">
+        <mc:Choice Requires="a14">
           <p:sp>
             <p:nvSpPr>
               <p:cNvPr id="9" name="CasellaDiTesto 8">
@@ -8162,7 +8158,7 @@
             </p:txBody>
           </p:sp>
         </mc:Choice>
-        <mc:Fallback>
+        <mc:Fallback xmlns="">
           <p:sp>
             <p:nvSpPr>
               <p:cNvPr id="9" name="CasellaDiTesto 8">
@@ -8519,15 +8515,14 @@
           <a:p>
             <a:pPr eaLnBrk="1" hangingPunct="1"/>
             <a:r>
-              <a:rPr lang="it-IT" dirty="0" err="1"/>
+              <a:rPr lang="en-US" dirty="0"/>
               <a:t>Example</a:t>
             </a:r>
-            <a:endParaRPr lang="en-US" dirty="0"/>
           </a:p>
         </p:txBody>
       </p:sp>
-      <mc:AlternateContent xmlns:mc="http://schemas.openxmlformats.org/markup-compatibility/2006">
-        <mc:Choice xmlns:a14="http://schemas.microsoft.com/office/drawing/2010/main" Requires="a14">
+      <mc:AlternateContent xmlns:mc="http://schemas.openxmlformats.org/markup-compatibility/2006" xmlns:a14="http://schemas.microsoft.com/office/drawing/2010/main">
+        <mc:Choice Requires="a14">
           <p:graphicFrame>
             <p:nvGraphicFramePr>
               <p:cNvPr id="2" name="Tabella 1">
@@ -9177,7 +9172,7 @@
             </a:graphic>
           </p:graphicFrame>
         </mc:Choice>
-        <mc:Fallback>
+        <mc:Fallback xmlns="">
           <p:graphicFrame>
             <p:nvGraphicFramePr>
               <p:cNvPr id="2" name="Tabella 1">
@@ -9286,7 +9281,7 @@
         <p:spPr>
           <a:xfrm>
             <a:off x="4835950" y="2583283"/>
-            <a:ext cx="2088000" cy="828000"/>
+            <a:ext cx="2088000" cy="792000"/>
           </a:xfrm>
           <a:prstGeom prst="rect">
             <a:avLst/>
@@ -9331,8 +9326,8 @@
           </a:p>
         </p:txBody>
       </p:sp>
-      <mc:AlternateContent xmlns:mc="http://schemas.openxmlformats.org/markup-compatibility/2006">
-        <mc:Choice xmlns:a14="http://schemas.microsoft.com/office/drawing/2010/main" Requires="a14">
+      <mc:AlternateContent xmlns:mc="http://schemas.openxmlformats.org/markup-compatibility/2006" xmlns:a14="http://schemas.microsoft.com/office/drawing/2010/main">
+        <mc:Choice Requires="a14">
           <p:sp>
             <p:nvSpPr>
               <p:cNvPr id="15" name="CasellaDiTesto 14">
@@ -9361,6 +9356,7 @@
               </a:bodyPr>
               <a:lstStyle/>
               <a:p>
+                <a:pPr/>
                 <a14:m>
                   <m:oMathPara xmlns:m="http://schemas.openxmlformats.org/officeDocument/2006/math">
                     <m:oMathParaPr>
@@ -9420,13 +9416,7 @@
                             <a:rPr lang="it-IT" i="1">
                               <a:latin typeface="Cambria Math" panose="02040503050406030204" pitchFamily="18" charset="0"/>
                             </a:rPr>
-                            <m:t>0.2612</m:t>
-                          </m:r>
-                          <m:r>
-                            <a:rPr lang="it-IT" i="1">
-                              <a:latin typeface="Cambria Math" panose="02040503050406030204" pitchFamily="18" charset="0"/>
-                            </a:rPr>
-                            <m:t>,</m:t>
+                            <m:t>0.2612,</m:t>
                           </m:r>
                           <m:r>
                             <a:rPr lang="it-IT" b="0" i="1" smtClean="0">
@@ -9539,7 +9529,7 @@
             </p:txBody>
           </p:sp>
         </mc:Choice>
-        <mc:Fallback>
+        <mc:Fallback xmlns="">
           <p:sp>
             <p:nvSpPr>
               <p:cNvPr id="15" name="CasellaDiTesto 14">
@@ -9584,8 +9574,8 @@
           </p:sp>
         </mc:Fallback>
       </mc:AlternateContent>
-      <mc:AlternateContent xmlns:mc="http://schemas.openxmlformats.org/markup-compatibility/2006">
-        <mc:Choice xmlns:a14="http://schemas.microsoft.com/office/drawing/2010/main" Requires="a14">
+      <mc:AlternateContent xmlns:mc="http://schemas.openxmlformats.org/markup-compatibility/2006" xmlns:a14="http://schemas.microsoft.com/office/drawing/2010/main">
+        <mc:Choice Requires="a14">
           <p:sp>
             <p:nvSpPr>
               <p:cNvPr id="16" name="CasellaDiTesto 15">
@@ -9614,6 +9604,7 @@
               </a:bodyPr>
               <a:lstStyle/>
               <a:p>
+                <a:pPr/>
                 <a14:m>
                   <m:oMathPara xmlns:m="http://schemas.openxmlformats.org/officeDocument/2006/math">
                     <m:oMathParaPr>
@@ -9821,7 +9812,7 @@
             </p:txBody>
           </p:sp>
         </mc:Choice>
-        <mc:Fallback>
+        <mc:Fallback xmlns="">
           <p:sp>
             <p:nvSpPr>
               <p:cNvPr id="16" name="CasellaDiTesto 15">
@@ -10173,15 +10164,14 @@
           <a:p>
             <a:pPr eaLnBrk="1" hangingPunct="1"/>
             <a:r>
-              <a:rPr lang="it-IT" dirty="0" err="1"/>
+              <a:rPr lang="en-US" dirty="0"/>
               <a:t>Example</a:t>
             </a:r>
-            <a:endParaRPr lang="en-US" dirty="0"/>
           </a:p>
         </p:txBody>
       </p:sp>
-      <mc:AlternateContent xmlns:mc="http://schemas.openxmlformats.org/markup-compatibility/2006">
-        <mc:Choice xmlns:a14="http://schemas.microsoft.com/office/drawing/2010/main" Requires="a14">
+      <mc:AlternateContent xmlns:mc="http://schemas.openxmlformats.org/markup-compatibility/2006" xmlns:a14="http://schemas.microsoft.com/office/drawing/2010/main">
+        <mc:Choice Requires="a14">
           <p:sp>
             <p:nvSpPr>
               <p:cNvPr id="11" name="CasellaDiTesto 10"/>
@@ -10204,6 +10194,7 @@
               </a:bodyPr>
               <a:lstStyle/>
               <a:p>
+                <a:pPr/>
                 <a14:m>
                   <m:oMathPara xmlns:m="http://schemas.openxmlformats.org/officeDocument/2006/math">
                     <m:oMathParaPr>
@@ -10411,7 +10402,7 @@
             </p:txBody>
           </p:sp>
         </mc:Choice>
-        <mc:Fallback>
+        <mc:Fallback xmlns="">
           <p:sp>
             <p:nvSpPr>
               <p:cNvPr id="11" name="CasellaDiTesto 10"/>
@@ -10450,8 +10441,8 @@
           </p:sp>
         </mc:Fallback>
       </mc:AlternateContent>
-      <mc:AlternateContent xmlns:mc="http://schemas.openxmlformats.org/markup-compatibility/2006">
-        <mc:Choice xmlns:a14="http://schemas.microsoft.com/office/drawing/2010/main" Requires="a14">
+      <mc:AlternateContent xmlns:mc="http://schemas.openxmlformats.org/markup-compatibility/2006" xmlns:a14="http://schemas.microsoft.com/office/drawing/2010/main">
+        <mc:Choice Requires="a14">
           <p:graphicFrame>
             <p:nvGraphicFramePr>
               <p:cNvPr id="2" name="Tabella 1">
@@ -10992,14 +10983,7 @@
                                   <a:latin typeface="Cambria Math" panose="02040503050406030204" pitchFamily="18" charset="0"/>
                                   <a:cs typeface="Gill Sans Light"/>
                                 </a:rPr>
-                                <m:t>=</m:t>
-                              </m:r>
-                              <m:r>
-                                <a:rPr lang="it-IT" b="0" i="1" smtClean="0">
-                                  <a:latin typeface="Cambria Math" panose="02040503050406030204" pitchFamily="18" charset="0"/>
-                                  <a:cs typeface="Gill Sans Light"/>
-                                </a:rPr>
-                                <m:t>30 </m:t>
+                                <m:t>=30 </m:t>
                               </m:r>
                               <m:r>
                                 <a:rPr lang="it-IT" b="0" i="1" smtClean="0">
@@ -11146,7 +11130,7 @@
             </a:graphic>
           </p:graphicFrame>
         </mc:Choice>
-        <mc:Fallback>
+        <mc:Fallback xmlns="">
           <p:graphicFrame>
             <p:nvGraphicFramePr>
               <p:cNvPr id="2" name="Tabella 1">
@@ -11254,8 +11238,8 @@
         </p:nvSpPr>
         <p:spPr>
           <a:xfrm>
-            <a:off x="4835950" y="2586196"/>
-            <a:ext cx="3096000" cy="828000"/>
+            <a:off x="4835950" y="2570720"/>
+            <a:ext cx="3096000" cy="792000"/>
           </a:xfrm>
           <a:prstGeom prst="rect">
             <a:avLst/>
@@ -11289,7 +11273,7 @@
           <a:p>
             <a:pPr algn="r"/>
             <a:r>
-              <a:rPr lang="it-IT" dirty="0" err="1">
+              <a:rPr lang="en-US" dirty="0">
                 <a:latin typeface="Gill Sans Light"/>
               </a:rPr>
               <a:t>Possible</a:t>
@@ -11306,8 +11290,8 @@
           </a:p>
         </p:txBody>
       </p:sp>
-      <mc:AlternateContent xmlns:mc="http://schemas.openxmlformats.org/markup-compatibility/2006">
-        <mc:Choice xmlns:a14="http://schemas.microsoft.com/office/drawing/2010/main" Requires="a14">
+      <mc:AlternateContent xmlns:mc="http://schemas.openxmlformats.org/markup-compatibility/2006" xmlns:a14="http://schemas.microsoft.com/office/drawing/2010/main">
+        <mc:Choice Requires="a14">
           <p:sp>
             <p:nvSpPr>
               <p:cNvPr id="15" name="CasellaDiTesto 14">
@@ -11336,6 +11320,7 @@
               </a:bodyPr>
               <a:lstStyle/>
               <a:p>
+                <a:pPr/>
                 <a14:m>
                   <m:oMathPara xmlns:m="http://schemas.openxmlformats.org/officeDocument/2006/math">
                     <m:oMathParaPr>
@@ -11395,13 +11380,7 @@
                             <a:rPr lang="it-IT" i="1">
                               <a:latin typeface="Cambria Math" panose="02040503050406030204" pitchFamily="18" charset="0"/>
                             </a:rPr>
-                            <m:t>2.0353 </m:t>
-                          </m:r>
-                          <m:r>
-                            <a:rPr lang="it-IT" i="1">
-                              <a:latin typeface="Cambria Math" panose="02040503050406030204" pitchFamily="18" charset="0"/>
-                            </a:rPr>
-                            <m:t>,</m:t>
+                            <m:t>2.0353 ,</m:t>
                           </m:r>
                           <m:r>
                             <a:rPr lang="it-IT" b="0" i="1" smtClean="0">
@@ -11513,7 +11492,7 @@
             </p:txBody>
           </p:sp>
         </mc:Choice>
-        <mc:Fallback>
+        <mc:Fallback xmlns="">
           <p:sp>
             <p:nvSpPr>
               <p:cNvPr id="15" name="CasellaDiTesto 14">
@@ -11869,10 +11848,9 @@
               <a:t>Samples </a:t>
             </a:r>
             <a:r>
-              <a:rPr lang="it-IT" dirty="0" err="1"/>
+              <a:rPr lang="en-US" dirty="0"/>
               <a:t>density</a:t>
             </a:r>
-            <a:endParaRPr lang="en-US" dirty="0"/>
           </a:p>
         </p:txBody>
       </p:sp>
@@ -11910,7 +11888,7 @@
               <a:t>Users can </a:t>
             </a:r>
             <a:r>
-              <a:rPr lang="it-IT" dirty="0" err="1">
+              <a:rPr lang="en-US" dirty="0">
                 <a:latin typeface="Gill Sans Light"/>
                 <a:cs typeface="Gill Sans Light"/>
               </a:rPr>
@@ -11924,7 +11902,7 @@
               <a:t> the </a:t>
             </a:r>
             <a:r>
-              <a:rPr lang="it-IT" dirty="0" err="1">
+              <a:rPr lang="en-US" dirty="0">
                 <a:latin typeface="Gill Sans Light"/>
                 <a:cs typeface="Gill Sans Light"/>
               </a:rPr>
@@ -11974,7 +11952,7 @@
               <a:t>Samples </a:t>
             </a:r>
             <a:r>
-              <a:rPr lang="it-IT" dirty="0" err="1">
+              <a:rPr lang="en-US" dirty="0">
                 <a:latin typeface="Gill Sans Light"/>
                 <a:cs typeface="Gill Sans Light"/>
               </a:rPr>
@@ -11988,16 +11966,12 @@
               <a:t> by </a:t>
             </a:r>
             <a:r>
-              <a:rPr lang="it-IT" dirty="0" err="1">
+              <a:rPr lang="en-US" dirty="0">
                 <a:latin typeface="Gill Sans Light"/>
                 <a:cs typeface="Gill Sans Light"/>
               </a:rPr>
               <a:t>noise</a:t>
             </a:r>
-            <a:endParaRPr lang="it-IT" dirty="0">
-              <a:latin typeface="Gill Sans Light"/>
-              <a:cs typeface="Gill Sans Light"/>
-            </a:endParaRPr>
           </a:p>
           <a:p>
             <a:pPr marL="742950" lvl="1" indent="-285750">
@@ -12005,7 +11979,7 @@
               <a:buChar char="•"/>
             </a:pPr>
             <a:r>
-              <a:rPr lang="it-IT" dirty="0" err="1">
+              <a:rPr lang="en-US" dirty="0">
                 <a:latin typeface="Gill Sans Light"/>
                 <a:cs typeface="Gill Sans Light"/>
               </a:rPr>
@@ -12019,7 +11993,7 @@
               <a:t> are more </a:t>
             </a:r>
             <a:r>
-              <a:rPr lang="it-IT" dirty="0" err="1">
+              <a:rPr lang="en-US" dirty="0">
                 <a:latin typeface="Gill Sans Light"/>
                 <a:cs typeface="Gill Sans Light"/>
               </a:rPr>
@@ -12033,7 +12007,7 @@
               <a:t> to be </a:t>
             </a:r>
             <a:r>
-              <a:rPr lang="it-IT" dirty="0" err="1">
+              <a:rPr lang="en-US" dirty="0">
                 <a:latin typeface="Gill Sans Light"/>
                 <a:cs typeface="Gill Sans Light"/>
               </a:rPr>
@@ -12047,7 +12021,7 @@
               <a:t> and </a:t>
             </a:r>
             <a:r>
-              <a:rPr lang="it-IT" dirty="0" err="1">
+              <a:rPr lang="en-US" dirty="0">
                 <a:latin typeface="Gill Sans Light"/>
                 <a:cs typeface="Gill Sans Light"/>
               </a:rPr>
@@ -12061,16 +12035,12 @@
               <a:t> </a:t>
             </a:r>
             <a:r>
-              <a:rPr lang="it-IT" dirty="0" err="1">
+              <a:rPr lang="en-US" dirty="0">
                 <a:latin typeface="Gill Sans Light"/>
                 <a:cs typeface="Gill Sans Light"/>
               </a:rPr>
               <a:t>rejected</a:t>
             </a:r>
-            <a:endParaRPr lang="it-IT" dirty="0">
-              <a:latin typeface="Gill Sans Light"/>
-              <a:cs typeface="Gill Sans Light"/>
-            </a:endParaRPr>
           </a:p>
           <a:p>
             <a:pPr marL="742950" lvl="1" indent="-285750">
@@ -12078,7 +12048,7 @@
               <a:buChar char="•"/>
             </a:pPr>
             <a:r>
-              <a:rPr lang="it-IT" dirty="0" err="1">
+              <a:rPr lang="en-US" dirty="0">
                 <a:latin typeface="Gill Sans Light"/>
                 <a:cs typeface="Gill Sans Light"/>
               </a:rPr>
@@ -12092,7 +12062,7 @@
               <a:t> </a:t>
             </a:r>
             <a:r>
-              <a:rPr lang="it-IT" dirty="0" err="1">
+              <a:rPr lang="en-US" dirty="0">
                 <a:latin typeface="Gill Sans Light"/>
                 <a:cs typeface="Gill Sans Light"/>
               </a:rPr>
@@ -12106,16 +12076,12 @@
               <a:t> </a:t>
             </a:r>
             <a:r>
-              <a:rPr lang="it-IT" dirty="0" err="1">
+              <a:rPr lang="en-US" dirty="0">
                 <a:latin typeface="Gill Sans Light"/>
                 <a:cs typeface="Gill Sans Light"/>
               </a:rPr>
               <a:t>complexity</a:t>
             </a:r>
-            <a:endParaRPr lang="it-IT" dirty="0">
-              <a:latin typeface="Gill Sans Light"/>
-              <a:cs typeface="Gill Sans Light"/>
-            </a:endParaRPr>
           </a:p>
           <a:p>
             <a:pPr marL="742950" lvl="1" indent="-285750">
@@ -12123,7 +12089,7 @@
               <a:buChar char="•"/>
             </a:pPr>
             <a:r>
-              <a:rPr lang="it-IT" dirty="0" err="1">
+              <a:rPr lang="en-US" dirty="0">
                 <a:latin typeface="Gill Sans Light"/>
                 <a:cs typeface="Gill Sans Light"/>
               </a:rPr>
@@ -12153,7 +12119,7 @@
               <a:buChar char="•"/>
             </a:pPr>
             <a:r>
-              <a:rPr lang="it-IT" dirty="0" err="1">
+              <a:rPr lang="en-US" dirty="0">
                 <a:latin typeface="Gill Sans Light"/>
                 <a:cs typeface="Gill Sans Light"/>
               </a:rPr>
@@ -12173,7 +12139,7 @@
               <a:buChar char="•"/>
             </a:pPr>
             <a:r>
-              <a:rPr lang="it-IT" dirty="0" err="1">
+              <a:rPr lang="en-US" dirty="0">
                 <a:latin typeface="Gill Sans Light"/>
                 <a:cs typeface="Gill Sans Light"/>
               </a:rPr>
@@ -12200,7 +12166,7 @@
               <a:t>Lower </a:t>
             </a:r>
             <a:r>
-              <a:rPr lang="it-IT" dirty="0" err="1">
+              <a:rPr lang="en-US" dirty="0">
                 <a:latin typeface="Gill Sans Light"/>
                 <a:cs typeface="Gill Sans Light"/>
               </a:rPr>
@@ -12214,16 +12180,12 @@
               <a:t> </a:t>
             </a:r>
             <a:r>
-              <a:rPr lang="it-IT" dirty="0" err="1">
+              <a:rPr lang="en-US" dirty="0">
                 <a:latin typeface="Gill Sans Light"/>
                 <a:cs typeface="Gill Sans Light"/>
               </a:rPr>
               <a:t>complexity</a:t>
             </a:r>
-            <a:endParaRPr lang="it-IT" dirty="0">
-              <a:latin typeface="Gill Sans Light"/>
-              <a:cs typeface="Gill Sans Light"/>
-            </a:endParaRPr>
           </a:p>
           <a:p>
             <a:pPr marL="742950" lvl="1" indent="-285750">
@@ -12238,7 +12200,7 @@
               <a:t>Lower </a:t>
             </a:r>
             <a:r>
-              <a:rPr lang="it-IT" dirty="0" err="1">
+              <a:rPr lang="en-US" dirty="0">
                 <a:latin typeface="Gill Sans Light"/>
                 <a:cs typeface="Gill Sans Light"/>
               </a:rPr>
@@ -12252,7 +12214,7 @@
               <a:t> of </a:t>
             </a:r>
             <a:r>
-              <a:rPr lang="it-IT" dirty="0" err="1">
+              <a:rPr lang="en-US" dirty="0">
                 <a:latin typeface="Gill Sans Light"/>
                 <a:cs typeface="Gill Sans Light"/>
               </a:rPr>
@@ -12266,7 +12228,7 @@
               <a:t> </a:t>
             </a:r>
             <a:r>
-              <a:rPr lang="it-IT" dirty="0" err="1">
+              <a:rPr lang="en-US" dirty="0">
                 <a:latin typeface="Gill Sans Light"/>
                 <a:cs typeface="Gill Sans Light"/>
               </a:rPr>
@@ -12286,7 +12248,7 @@
               <a:buChar char="•"/>
             </a:pPr>
             <a:r>
-              <a:rPr lang="it-IT" dirty="0" err="1">
+              <a:rPr lang="en-US" dirty="0">
                 <a:latin typeface="Gill Sans Light"/>
                 <a:cs typeface="Gill Sans Light"/>
               </a:rPr>
@@ -12300,7 +12262,7 @@
               <a:t> AUV (</a:t>
             </a:r>
             <a:r>
-              <a:rPr lang="it-IT" dirty="0" err="1">
+              <a:rPr lang="en-US" dirty="0">
                 <a:latin typeface="Gill Sans Light"/>
                 <a:cs typeface="Gill Sans Light"/>
               </a:rPr>
@@ -12314,7 +12276,7 @@
               <a:t> </a:t>
             </a:r>
             <a:r>
-              <a:rPr lang="it-IT" dirty="0" err="1">
+              <a:rPr lang="en-US" dirty="0">
                 <a:latin typeface="Gill Sans Light"/>
                 <a:cs typeface="Gill Sans Light"/>
               </a:rPr>
@@ -12351,7 +12313,7 @@
               <a:t>Random </a:t>
             </a:r>
             <a:r>
-              <a:rPr lang="it-IT" dirty="0" err="1">
+              <a:rPr lang="en-US" dirty="0">
                 <a:latin typeface="Gill Sans Light"/>
                 <a:cs typeface="Gill Sans Light"/>
               </a:rPr>
@@ -12365,7 +12327,7 @@
               <a:t> </a:t>
             </a:r>
             <a:r>
-              <a:rPr lang="it-IT" dirty="0" err="1">
+              <a:rPr lang="en-US" dirty="0">
                 <a:latin typeface="Gill Sans Light"/>
                 <a:cs typeface="Gill Sans Light"/>
               </a:rPr>
@@ -12695,8 +12657,8 @@
           </a:p>
         </p:txBody>
       </p:sp>
-      <mc:AlternateContent xmlns:mc="http://schemas.openxmlformats.org/markup-compatibility/2006">
-        <mc:Choice xmlns:a14="http://schemas.microsoft.com/office/drawing/2010/main" Requires="a14">
+      <mc:AlternateContent xmlns:mc="http://schemas.openxmlformats.org/markup-compatibility/2006" xmlns:a14="http://schemas.microsoft.com/office/drawing/2010/main">
+        <mc:Choice Requires="a14">
           <p:graphicFrame>
             <p:nvGraphicFramePr>
               <p:cNvPr id="9" name="Tabella 8">
@@ -12778,7 +12740,9 @@
                               </m:oMathParaPr>
                               <m:oMath xmlns:m="http://schemas.openxmlformats.org/officeDocument/2006/math">
                                 <m:r>
-                                  <a:rPr lang="en-US" sz="1600" dirty="0" smtClean="0"/>
+                                  <a:rPr lang="en-US" sz="1600" dirty="0" smtClean="0">
+                                    <a:latin typeface="Cambria Math" panose="02040503050406030204" pitchFamily="18" charset="0"/>
+                                  </a:rPr>
                                   <m:t>𝑀𝑆𝐸</m:t>
                                 </m:r>
                               </m:oMath>
@@ -12795,30 +12759,40 @@
                               </m:oMathParaPr>
                               <m:oMath xmlns:m="http://schemas.openxmlformats.org/officeDocument/2006/math">
                                 <m:r>
-                                  <a:rPr lang="it-IT" sz="1600" smtClean="0"/>
+                                  <a:rPr lang="it-IT" sz="1600" smtClean="0">
+                                    <a:latin typeface="Cambria Math" panose="02040503050406030204" pitchFamily="18" charset="0"/>
+                                  </a:rPr>
                                   <m:t>(</m:t>
                                 </m:r>
                                 <m:sSup>
                                   <m:sSupPr>
                                     <m:ctrlPr>
-                                      <a:rPr lang="it-IT" sz="1600" smtClean="0"/>
+                                      <a:rPr lang="it-IT" sz="1600" i="1" smtClean="0">
+                                        <a:latin typeface="Cambria Math" panose="02040503050406030204" pitchFamily="18" charset="0"/>
+                                      </a:rPr>
                                     </m:ctrlPr>
                                   </m:sSupPr>
                                   <m:e>
                                     <m:r>
-                                      <a:rPr lang="it-IT" sz="1600" smtClean="0"/>
+                                      <a:rPr lang="it-IT" sz="1600" smtClean="0">
+                                        <a:latin typeface="Cambria Math" panose="02040503050406030204" pitchFamily="18" charset="0"/>
+                                      </a:rPr>
                                       <m:t>𝒎</m:t>
                                     </m:r>
                                   </m:e>
                                   <m:sup>
                                     <m:r>
-                                      <a:rPr lang="it-IT" sz="1600" smtClean="0"/>
+                                      <a:rPr lang="it-IT" sz="1600" smtClean="0">
+                                        <a:latin typeface="Cambria Math" panose="02040503050406030204" pitchFamily="18" charset="0"/>
+                                      </a:rPr>
                                       <m:t>𝟐</m:t>
                                     </m:r>
                                   </m:sup>
                                 </m:sSup>
                                 <m:r>
-                                  <a:rPr lang="it-IT" sz="1600" smtClean="0"/>
+                                  <a:rPr lang="it-IT" sz="1600" smtClean="0">
+                                    <a:latin typeface="Cambria Math" panose="02040503050406030204" pitchFamily="18" charset="0"/>
+                                  </a:rPr>
                                   <m:t>)</m:t>
                                 </m:r>
                               </m:oMath>
@@ -12844,18 +12818,24 @@
                                 <m:sSub>
                                   <m:sSubPr>
                                     <m:ctrlPr>
-                                      <a:rPr lang="en-US" sz="1600" smtClean="0"/>
+                                      <a:rPr lang="en-US" sz="1600" i="1" smtClean="0">
+                                        <a:latin typeface="Cambria Math" panose="02040503050406030204" pitchFamily="18" charset="0"/>
+                                      </a:rPr>
                                     </m:ctrlPr>
                                   </m:sSubPr>
                                   <m:e>
                                     <m:r>
-                                      <a:rPr lang="it-IT" sz="1600" smtClean="0"/>
+                                      <a:rPr lang="it-IT" sz="1600" smtClean="0">
+                                        <a:latin typeface="Cambria Math" panose="02040503050406030204" pitchFamily="18" charset="0"/>
+                                      </a:rPr>
                                       <m:t>𝑻</m:t>
                                     </m:r>
                                   </m:e>
                                   <m:sub>
                                     <m:r>
-                                      <a:rPr lang="it-IT" sz="1600" smtClean="0"/>
+                                      <a:rPr lang="it-IT" sz="1600" smtClean="0">
+                                        <a:latin typeface="Cambria Math" panose="02040503050406030204" pitchFamily="18" charset="0"/>
+                                      </a:rPr>
                                       <m:t>𝒆𝒙𝒆</m:t>
                                     </m:r>
                                   </m:sub>
@@ -12874,15 +12854,21 @@
                               </m:oMathParaPr>
                               <m:oMath xmlns:m="http://schemas.openxmlformats.org/officeDocument/2006/math">
                                 <m:r>
-                                  <a:rPr lang="it-IT" sz="1600" smtClean="0"/>
+                                  <a:rPr lang="it-IT" sz="1600" smtClean="0">
+                                    <a:latin typeface="Cambria Math" panose="02040503050406030204" pitchFamily="18" charset="0"/>
+                                  </a:rPr>
                                   <m:t>(</m:t>
                                 </m:r>
                                 <m:r>
-                                  <a:rPr lang="it-IT" sz="1600" smtClean="0"/>
+                                  <a:rPr lang="it-IT" sz="1600" smtClean="0">
+                                    <a:latin typeface="Cambria Math" panose="02040503050406030204" pitchFamily="18" charset="0"/>
+                                  </a:rPr>
                                   <m:t>𝒔</m:t>
                                 </m:r>
                                 <m:r>
-                                  <a:rPr lang="it-IT" sz="1600" smtClean="0"/>
+                                  <a:rPr lang="it-IT" sz="1600" smtClean="0">
+                                    <a:latin typeface="Cambria Math" panose="02040503050406030204" pitchFamily="18" charset="0"/>
+                                  </a:rPr>
                                   <m:t>)</m:t>
                                 </m:r>
                               </m:oMath>
@@ -13397,7 +13383,7 @@
             </a:graphic>
           </p:graphicFrame>
         </mc:Choice>
-        <mc:Fallback>
+        <mc:Fallback xmlns="">
           <p:graphicFrame>
             <p:nvGraphicFramePr>
               <p:cNvPr id="9" name="Tabella 8">
@@ -14524,7 +14510,7 @@
               <a:buChar char="•"/>
             </a:pPr>
             <a:r>
-              <a:rPr lang="it-IT" dirty="0" err="1">
+              <a:rPr lang="en-US" dirty="0">
                 <a:latin typeface="Gill Sans Light"/>
               </a:rPr>
               <a:t>Nearest</a:t>
@@ -14536,14 +14522,11 @@
               <a:t> </a:t>
             </a:r>
             <a:r>
-              <a:rPr lang="it-IT" dirty="0" err="1">
+              <a:rPr lang="en-GB" dirty="0">
                 <a:latin typeface="Gill Sans Light"/>
               </a:rPr>
               <a:t>neighbour</a:t>
             </a:r>
-            <a:endParaRPr lang="en-US" dirty="0">
-              <a:latin typeface="Gill Sans Light"/>
-            </a:endParaRPr>
           </a:p>
         </p:txBody>
       </p:sp>
@@ -15400,8 +15383,8 @@
           </a:p>
         </p:txBody>
       </p:sp>
-      <mc:AlternateContent xmlns:mc="http://schemas.openxmlformats.org/markup-compatibility/2006">
-        <mc:Choice xmlns:a14="http://schemas.microsoft.com/office/drawing/2010/main" Requires="a14">
+      <mc:AlternateContent xmlns:mc="http://schemas.openxmlformats.org/markup-compatibility/2006" xmlns:a14="http://schemas.microsoft.com/office/drawing/2010/main">
+        <mc:Choice Requires="a14">
           <p:graphicFrame>
             <p:nvGraphicFramePr>
               <p:cNvPr id="9" name="Tabella 8">
@@ -16122,7 +16105,7 @@
             </a:graphic>
           </p:graphicFrame>
         </mc:Choice>
-        <mc:Fallback>
+        <mc:Fallback xmlns="">
           <p:graphicFrame>
             <p:nvGraphicFramePr>
               <p:cNvPr id="9" name="Tabella 8">
@@ -17245,7 +17228,7 @@
               <a:buChar char="•"/>
             </a:pPr>
             <a:r>
-              <a:rPr lang="it-IT" dirty="0" err="1">
+              <a:rPr lang="en-GB" dirty="0">
                 <a:latin typeface="Gill Sans Light"/>
               </a:rPr>
               <a:t>Nearest</a:t>
@@ -17257,14 +17240,11 @@
               <a:t> </a:t>
             </a:r>
             <a:r>
-              <a:rPr lang="it-IT" dirty="0" err="1">
+              <a:rPr lang="en-GB" dirty="0">
                 <a:latin typeface="Gill Sans Light"/>
               </a:rPr>
               <a:t>neighbour</a:t>
             </a:r>
-            <a:endParaRPr lang="en-US" dirty="0">
-              <a:latin typeface="Gill Sans Light"/>
-            </a:endParaRPr>
           </a:p>
         </p:txBody>
       </p:sp>
@@ -17582,8 +17562,8 @@
           </a:p>
         </p:txBody>
       </p:sp>
-      <mc:AlternateContent xmlns:mc="http://schemas.openxmlformats.org/markup-compatibility/2006">
-        <mc:Choice xmlns:a14="http://schemas.microsoft.com/office/drawing/2010/main" Requires="a14">
+      <mc:AlternateContent xmlns:mc="http://schemas.openxmlformats.org/markup-compatibility/2006" xmlns:a14="http://schemas.microsoft.com/office/drawing/2010/main">
+        <mc:Choice Requires="a14">
           <p:graphicFrame>
             <p:nvGraphicFramePr>
               <p:cNvPr id="9" name="Tabella 8">
@@ -17665,7 +17645,9 @@
                               </m:oMathParaPr>
                               <m:oMath xmlns:m="http://schemas.openxmlformats.org/officeDocument/2006/math">
                                 <m:r>
-                                  <a:rPr lang="en-US" sz="1600" dirty="0" smtClean="0"/>
+                                  <a:rPr lang="en-US" sz="1600" dirty="0" smtClean="0">
+                                    <a:latin typeface="Cambria Math" panose="02040503050406030204" pitchFamily="18" charset="0"/>
+                                  </a:rPr>
                                   <m:t>𝑀𝑆𝐸</m:t>
                                 </m:r>
                               </m:oMath>
@@ -17682,30 +17664,40 @@
                               </m:oMathParaPr>
                               <m:oMath xmlns:m="http://schemas.openxmlformats.org/officeDocument/2006/math">
                                 <m:r>
-                                  <a:rPr lang="it-IT" sz="1600" smtClean="0"/>
+                                  <a:rPr lang="it-IT" sz="1600" smtClean="0">
+                                    <a:latin typeface="Cambria Math" panose="02040503050406030204" pitchFamily="18" charset="0"/>
+                                  </a:rPr>
                                   <m:t>(</m:t>
                                 </m:r>
                                 <m:sSup>
                                   <m:sSupPr>
                                     <m:ctrlPr>
-                                      <a:rPr lang="it-IT" sz="1600" smtClean="0"/>
+                                      <a:rPr lang="it-IT" sz="1600" i="1" smtClean="0">
+                                        <a:latin typeface="Cambria Math" panose="02040503050406030204" pitchFamily="18" charset="0"/>
+                                      </a:rPr>
                                     </m:ctrlPr>
                                   </m:sSupPr>
                                   <m:e>
                                     <m:r>
-                                      <a:rPr lang="it-IT" sz="1600" smtClean="0"/>
+                                      <a:rPr lang="it-IT" sz="1600" smtClean="0">
+                                        <a:latin typeface="Cambria Math" panose="02040503050406030204" pitchFamily="18" charset="0"/>
+                                      </a:rPr>
                                       <m:t>𝒎</m:t>
                                     </m:r>
                                   </m:e>
                                   <m:sup>
                                     <m:r>
-                                      <a:rPr lang="it-IT" sz="1600" smtClean="0"/>
+                                      <a:rPr lang="it-IT" sz="1600" smtClean="0">
+                                        <a:latin typeface="Cambria Math" panose="02040503050406030204" pitchFamily="18" charset="0"/>
+                                      </a:rPr>
                                       <m:t>𝟐</m:t>
                                     </m:r>
                                   </m:sup>
                                 </m:sSup>
                                 <m:r>
-                                  <a:rPr lang="it-IT" sz="1600" smtClean="0"/>
+                                  <a:rPr lang="it-IT" sz="1600" smtClean="0">
+                                    <a:latin typeface="Cambria Math" panose="02040503050406030204" pitchFamily="18" charset="0"/>
+                                  </a:rPr>
                                   <m:t>)</m:t>
                                 </m:r>
                               </m:oMath>
@@ -17731,18 +17723,24 @@
                                 <m:sSub>
                                   <m:sSubPr>
                                     <m:ctrlPr>
-                                      <a:rPr lang="en-US" sz="1600" smtClean="0"/>
+                                      <a:rPr lang="en-US" sz="1600" i="1" smtClean="0">
+                                        <a:latin typeface="Cambria Math" panose="02040503050406030204" pitchFamily="18" charset="0"/>
+                                      </a:rPr>
                                     </m:ctrlPr>
                                   </m:sSubPr>
                                   <m:e>
                                     <m:r>
-                                      <a:rPr lang="it-IT" sz="1600" smtClean="0"/>
+                                      <a:rPr lang="it-IT" sz="1600" smtClean="0">
+                                        <a:latin typeface="Cambria Math" panose="02040503050406030204" pitchFamily="18" charset="0"/>
+                                      </a:rPr>
                                       <m:t>𝑻</m:t>
                                     </m:r>
                                   </m:e>
                                   <m:sub>
                                     <m:r>
-                                      <a:rPr lang="it-IT" sz="1600" smtClean="0"/>
+                                      <a:rPr lang="it-IT" sz="1600" smtClean="0">
+                                        <a:latin typeface="Cambria Math" panose="02040503050406030204" pitchFamily="18" charset="0"/>
+                                      </a:rPr>
                                       <m:t>𝒆𝒙𝒆</m:t>
                                     </m:r>
                                   </m:sub>
@@ -17761,15 +17759,21 @@
                               </m:oMathParaPr>
                               <m:oMath xmlns:m="http://schemas.openxmlformats.org/officeDocument/2006/math">
                                 <m:r>
-                                  <a:rPr lang="it-IT" sz="1600" smtClean="0"/>
+                                  <a:rPr lang="it-IT" sz="1600" smtClean="0">
+                                    <a:latin typeface="Cambria Math" panose="02040503050406030204" pitchFamily="18" charset="0"/>
+                                  </a:rPr>
                                   <m:t>(</m:t>
                                 </m:r>
                                 <m:r>
-                                  <a:rPr lang="it-IT" sz="1600" smtClean="0"/>
+                                  <a:rPr lang="it-IT" sz="1600" smtClean="0">
+                                    <a:latin typeface="Cambria Math" panose="02040503050406030204" pitchFamily="18" charset="0"/>
+                                  </a:rPr>
                                   <m:t>𝒔</m:t>
                                 </m:r>
                                 <m:r>
-                                  <a:rPr lang="it-IT" sz="1600" smtClean="0"/>
+                                  <a:rPr lang="it-IT" sz="1600" smtClean="0">
+                                    <a:latin typeface="Cambria Math" panose="02040503050406030204" pitchFamily="18" charset="0"/>
+                                  </a:rPr>
                                   <m:t>)</m:t>
                                 </m:r>
                               </m:oMath>
@@ -18293,7 +18297,7 @@
             </a:graphic>
           </p:graphicFrame>
         </mc:Choice>
-        <mc:Fallback>
+        <mc:Fallback xmlns="">
           <p:graphicFrame>
             <p:nvGraphicFramePr>
               <p:cNvPr id="9" name="Tabella 8">
@@ -19394,14 +19398,11 @@
               <a:t>Natural </a:t>
             </a:r>
             <a:r>
-              <a:rPr lang="en-US" dirty="0" err="1">
+              <a:rPr lang="en-GB" dirty="0">
                 <a:latin typeface="Gill Sans Light"/>
               </a:rPr>
               <a:t>neighbour</a:t>
             </a:r>
-            <a:endParaRPr lang="en-US" dirty="0">
-              <a:latin typeface="Gill Sans Light"/>
-            </a:endParaRPr>
           </a:p>
         </p:txBody>
       </p:sp>
@@ -19438,7 +19439,7 @@
               <a:buChar char="•"/>
             </a:pPr>
             <a:r>
-              <a:rPr lang="it-IT" dirty="0" err="1">
+              <a:rPr lang="en-US" dirty="0">
                 <a:latin typeface="Gill Sans Light"/>
               </a:rPr>
               <a:t>Nearest</a:t>
@@ -19450,14 +19451,11 @@
               <a:t> </a:t>
             </a:r>
             <a:r>
-              <a:rPr lang="it-IT" dirty="0" err="1">
+              <a:rPr lang="en-GB" dirty="0">
                 <a:latin typeface="Gill Sans Light"/>
               </a:rPr>
               <a:t>neighbour</a:t>
             </a:r>
-            <a:endParaRPr lang="en-US" dirty="0">
-              <a:latin typeface="Gill Sans Light"/>
-            </a:endParaRPr>
           </a:p>
         </p:txBody>
       </p:sp>
@@ -19768,7 +19766,7 @@
           <a:p>
             <a:pPr eaLnBrk="1" hangingPunct="1"/>
             <a:r>
-              <a:rPr lang="it-IT" dirty="0" err="1"/>
+              <a:rPr lang="en-GB" dirty="0"/>
               <a:t>Nearest</a:t>
             </a:r>
             <a:r>
@@ -19776,10 +19774,9 @@
               <a:t> </a:t>
             </a:r>
             <a:r>
-              <a:rPr lang="it-IT" dirty="0" err="1"/>
+              <a:rPr lang="en-GB" dirty="0"/>
               <a:t>neighbour</a:t>
             </a:r>
-            <a:endParaRPr lang="en-US" dirty="0"/>
           </a:p>
         </p:txBody>
       </p:sp>
@@ -19873,8 +19870,8 @@
           </a:prstGeom>
         </p:spPr>
       </p:pic>
-      <mc:AlternateContent xmlns:mc="http://schemas.openxmlformats.org/markup-compatibility/2006">
-        <mc:Choice xmlns:a14="http://schemas.microsoft.com/office/drawing/2010/main" Requires="a14">
+      <mc:AlternateContent xmlns:mc="http://schemas.openxmlformats.org/markup-compatibility/2006" xmlns:a14="http://schemas.microsoft.com/office/drawing/2010/main">
+        <mc:Choice Requires="a14">
           <p:sp>
             <p:nvSpPr>
               <p:cNvPr id="13" name="CasellaDiTesto 12">
@@ -20017,7 +20014,7 @@
             </p:txBody>
           </p:sp>
         </mc:Choice>
-        <mc:Fallback>
+        <mc:Fallback xmlns="">
           <p:sp>
             <p:nvSpPr>
               <p:cNvPr id="13" name="CasellaDiTesto 12">
@@ -20062,8 +20059,8 @@
           </p:sp>
         </mc:Fallback>
       </mc:AlternateContent>
-      <mc:AlternateContent xmlns:mc="http://schemas.openxmlformats.org/markup-compatibility/2006">
-        <mc:Choice xmlns:a14="http://schemas.microsoft.com/office/drawing/2010/main" Requires="a14">
+      <mc:AlternateContent xmlns:mc="http://schemas.openxmlformats.org/markup-compatibility/2006" xmlns:a14="http://schemas.microsoft.com/office/drawing/2010/main">
+        <mc:Choice Requires="a14">
           <p:sp>
             <p:nvSpPr>
               <p:cNvPr id="14" name="CasellaDiTesto 13">
@@ -20212,7 +20209,7 @@
             </p:txBody>
           </p:sp>
         </mc:Choice>
-        <mc:Fallback>
+        <mc:Fallback xmlns="">
           <p:sp>
             <p:nvSpPr>
               <p:cNvPr id="14" name="CasellaDiTesto 13">
@@ -20257,8 +20254,8 @@
           </p:sp>
         </mc:Fallback>
       </mc:AlternateContent>
-      <mc:AlternateContent xmlns:mc="http://schemas.openxmlformats.org/markup-compatibility/2006">
-        <mc:Choice xmlns:a14="http://schemas.microsoft.com/office/drawing/2010/main" Requires="a14">
+      <mc:AlternateContent xmlns:mc="http://schemas.openxmlformats.org/markup-compatibility/2006" xmlns:a14="http://schemas.microsoft.com/office/drawing/2010/main">
+        <mc:Choice Requires="a14">
           <p:sp>
             <p:nvSpPr>
               <p:cNvPr id="15" name="CasellaDiTesto 14">
@@ -20390,13 +20387,7 @@
                       <a:rPr lang="it-IT" i="1">
                         <a:latin typeface="Cambria Math" panose="02040503050406030204" pitchFamily="18" charset="0"/>
                       </a:rPr>
-                      <m:t>=</m:t>
-                    </m:r>
-                    <m:r>
-                      <a:rPr lang="it-IT" i="1">
-                        <a:latin typeface="Cambria Math" panose="02040503050406030204" pitchFamily="18" charset="0"/>
-                      </a:rPr>
-                      <m:t>0.008</m:t>
+                      <m:t>=0.008</m:t>
                     </m:r>
                     <m:r>
                       <a:rPr lang="it-IT" b="0" i="1" smtClean="0">
@@ -20419,7 +20410,7 @@
             </p:txBody>
           </p:sp>
         </mc:Choice>
-        <mc:Fallback>
+        <mc:Fallback xmlns="">
           <p:sp>
             <p:nvSpPr>
               <p:cNvPr id="15" name="CasellaDiTesto 14">
@@ -20771,10 +20762,9 @@
           <a:p>
             <a:pPr eaLnBrk="1" hangingPunct="1"/>
             <a:r>
-              <a:rPr lang="it-IT" dirty="0" err="1"/>
+              <a:rPr lang="en-GB" dirty="0"/>
               <a:t>Kriging</a:t>
             </a:r>
-            <a:endParaRPr lang="en-US" dirty="0"/>
           </a:p>
         </p:txBody>
       </p:sp>
@@ -20868,8 +20858,8 @@
           </a:prstGeom>
         </p:spPr>
       </p:pic>
-      <mc:AlternateContent xmlns:mc="http://schemas.openxmlformats.org/markup-compatibility/2006">
-        <mc:Choice xmlns:a14="http://schemas.microsoft.com/office/drawing/2010/main" Requires="a14">
+      <mc:AlternateContent xmlns:mc="http://schemas.openxmlformats.org/markup-compatibility/2006" xmlns:a14="http://schemas.microsoft.com/office/drawing/2010/main">
+        <mc:Choice Requires="a14">
           <p:sp>
             <p:nvSpPr>
               <p:cNvPr id="13" name="CasellaDiTesto 12">
@@ -21012,7 +21002,7 @@
             </p:txBody>
           </p:sp>
         </mc:Choice>
-        <mc:Fallback>
+        <mc:Fallback xmlns="">
           <p:sp>
             <p:nvSpPr>
               <p:cNvPr id="13" name="CasellaDiTesto 12">
@@ -21057,8 +21047,8 @@
           </p:sp>
         </mc:Fallback>
       </mc:AlternateContent>
-      <mc:AlternateContent xmlns:mc="http://schemas.openxmlformats.org/markup-compatibility/2006">
-        <mc:Choice xmlns:a14="http://schemas.microsoft.com/office/drawing/2010/main" Requires="a14">
+      <mc:AlternateContent xmlns:mc="http://schemas.openxmlformats.org/markup-compatibility/2006" xmlns:a14="http://schemas.microsoft.com/office/drawing/2010/main">
+        <mc:Choice Requires="a14">
           <p:sp>
             <p:nvSpPr>
               <p:cNvPr id="14" name="CasellaDiTesto 13">
@@ -21207,7 +21197,7 @@
             </p:txBody>
           </p:sp>
         </mc:Choice>
-        <mc:Fallback>
+        <mc:Fallback xmlns="">
           <p:sp>
             <p:nvSpPr>
               <p:cNvPr id="14" name="CasellaDiTesto 13">
@@ -21252,8 +21242,8 @@
           </p:sp>
         </mc:Fallback>
       </mc:AlternateContent>
-      <mc:AlternateContent xmlns:mc="http://schemas.openxmlformats.org/markup-compatibility/2006">
-        <mc:Choice xmlns:a14="http://schemas.microsoft.com/office/drawing/2010/main" Requires="a14">
+      <mc:AlternateContent xmlns:mc="http://schemas.openxmlformats.org/markup-compatibility/2006" xmlns:a14="http://schemas.microsoft.com/office/drawing/2010/main">
+        <mc:Choice Requires="a14">
           <p:sp>
             <p:nvSpPr>
               <p:cNvPr id="15" name="CasellaDiTesto 14">
@@ -21391,13 +21381,7 @@
                       <a:rPr lang="it-IT" b="0" i="1" smtClean="0">
                         <a:latin typeface="Cambria Math" panose="02040503050406030204" pitchFamily="18" charset="0"/>
                       </a:rPr>
-                      <m:t>752.7</m:t>
-                    </m:r>
-                    <m:r>
-                      <a:rPr lang="it-IT" b="0" i="1" smtClean="0">
-                        <a:latin typeface="Cambria Math" panose="02040503050406030204" pitchFamily="18" charset="0"/>
-                      </a:rPr>
-                      <m:t> </m:t>
+                      <m:t>752.7 </m:t>
                     </m:r>
                     <m:r>
                       <a:rPr lang="it-IT" i="1">
@@ -21414,7 +21398,7 @@
             </p:txBody>
           </p:sp>
         </mc:Choice>
-        <mc:Fallback>
+        <mc:Fallback xmlns="">
           <p:sp>
             <p:nvSpPr>
               <p:cNvPr id="15" name="CasellaDiTesto 14">
@@ -21863,8 +21847,8 @@
           </a:prstGeom>
         </p:spPr>
       </p:pic>
-      <mc:AlternateContent xmlns:mc="http://schemas.openxmlformats.org/markup-compatibility/2006">
-        <mc:Choice xmlns:a14="http://schemas.microsoft.com/office/drawing/2010/main" Requires="a14">
+      <mc:AlternateContent xmlns:mc="http://schemas.openxmlformats.org/markup-compatibility/2006" xmlns:a14="http://schemas.microsoft.com/office/drawing/2010/main">
+        <mc:Choice Requires="a14">
           <p:sp>
             <p:nvSpPr>
               <p:cNvPr id="13" name="CasellaDiTesto 12">
@@ -22007,7 +21991,7 @@
             </p:txBody>
           </p:sp>
         </mc:Choice>
-        <mc:Fallback>
+        <mc:Fallback xmlns="">
           <p:sp>
             <p:nvSpPr>
               <p:cNvPr id="13" name="CasellaDiTesto 12">
@@ -22052,8 +22036,8 @@
           </p:sp>
         </mc:Fallback>
       </mc:AlternateContent>
-      <mc:AlternateContent xmlns:mc="http://schemas.openxmlformats.org/markup-compatibility/2006">
-        <mc:Choice xmlns:a14="http://schemas.microsoft.com/office/drawing/2010/main" Requires="a14">
+      <mc:AlternateContent xmlns:mc="http://schemas.openxmlformats.org/markup-compatibility/2006" xmlns:a14="http://schemas.microsoft.com/office/drawing/2010/main">
+        <mc:Choice Requires="a14">
           <p:sp>
             <p:nvSpPr>
               <p:cNvPr id="14" name="CasellaDiTesto 13">
@@ -22202,7 +22186,7 @@
             </p:txBody>
           </p:sp>
         </mc:Choice>
-        <mc:Fallback>
+        <mc:Fallback xmlns="">
           <p:sp>
             <p:nvSpPr>
               <p:cNvPr id="14" name="CasellaDiTesto 13">
@@ -22247,8 +22231,8 @@
           </p:sp>
         </mc:Fallback>
       </mc:AlternateContent>
-      <mc:AlternateContent xmlns:mc="http://schemas.openxmlformats.org/markup-compatibility/2006">
-        <mc:Choice xmlns:a14="http://schemas.microsoft.com/office/drawing/2010/main" Requires="a14">
+      <mc:AlternateContent xmlns:mc="http://schemas.openxmlformats.org/markup-compatibility/2006" xmlns:a14="http://schemas.microsoft.com/office/drawing/2010/main">
+        <mc:Choice Requires="a14">
           <p:sp>
             <p:nvSpPr>
               <p:cNvPr id="15" name="CasellaDiTesto 14">
@@ -22386,13 +22370,7 @@
                       <a:rPr lang="it-IT" b="0" i="1" smtClean="0">
                         <a:latin typeface="Cambria Math" panose="02040503050406030204" pitchFamily="18" charset="0"/>
                       </a:rPr>
-                      <m:t>0.864</m:t>
-                    </m:r>
-                    <m:r>
-                      <a:rPr lang="it-IT" b="0" i="1" smtClean="0">
-                        <a:latin typeface="Cambria Math" panose="02040503050406030204" pitchFamily="18" charset="0"/>
-                      </a:rPr>
-                      <m:t> </m:t>
+                      <m:t>0.864 </m:t>
                     </m:r>
                     <m:r>
                       <a:rPr lang="it-IT" i="1">
@@ -22409,7 +22387,7 @@
             </p:txBody>
           </p:sp>
         </mc:Choice>
-        <mc:Fallback>
+        <mc:Fallback xmlns="">
           <p:sp>
             <p:nvSpPr>
               <p:cNvPr id="15" name="CasellaDiTesto 14">
@@ -24136,8 +24114,8 @@
           </a:p>
         </p:txBody>
       </p:sp>
-      <mc:AlternateContent xmlns:mc="http://schemas.openxmlformats.org/markup-compatibility/2006">
-        <mc:Choice xmlns:a14="http://schemas.microsoft.com/office/drawing/2010/main" Requires="a14">
+      <mc:AlternateContent xmlns:mc="http://schemas.openxmlformats.org/markup-compatibility/2006" xmlns:a14="http://schemas.microsoft.com/office/drawing/2010/main">
+        <mc:Choice Requires="a14">
           <p:graphicFrame>
             <p:nvGraphicFramePr>
               <p:cNvPr id="9" name="Tabella 8">
@@ -24862,7 +24840,7 @@
             </a:graphic>
           </p:graphicFrame>
         </mc:Choice>
-        <mc:Fallback>
+        <mc:Fallback xmlns="">
           <p:graphicFrame>
             <p:nvGraphicFramePr>
               <p:cNvPr id="9" name="Tabella 8">
@@ -26004,7 +25982,7 @@
               <a:buChar char="•"/>
             </a:pPr>
             <a:r>
-              <a:rPr lang="it-IT" dirty="0" err="1">
+              <a:rPr lang="en-US" dirty="0">
                 <a:latin typeface="Gill Sans Light"/>
               </a:rPr>
               <a:t>Nearest</a:t>
@@ -26016,14 +25994,11 @@
               <a:t> </a:t>
             </a:r>
             <a:r>
-              <a:rPr lang="it-IT" dirty="0" err="1">
+              <a:rPr lang="en-GB" dirty="0">
                 <a:latin typeface="Gill Sans Light"/>
               </a:rPr>
               <a:t>neighbour</a:t>
             </a:r>
-            <a:endParaRPr lang="en-US" dirty="0">
-              <a:latin typeface="Gill Sans Light"/>
-            </a:endParaRPr>
           </a:p>
         </p:txBody>
       </p:sp>
@@ -27382,7 +27357,7 @@
               <a:t>No </a:t>
             </a:r>
             <a:r>
-              <a:rPr lang="it-IT" dirty="0" err="1"/>
+              <a:rPr lang="en-GB" dirty="0"/>
               <a:t>signals</a:t>
             </a:r>
             <a:r>
@@ -27390,7 +27365,7 @@
               <a:t> </a:t>
             </a:r>
             <a:r>
-              <a:rPr lang="it-IT" dirty="0" err="1"/>
+              <a:rPr lang="en-US" dirty="0"/>
               <a:t>overlapping</a:t>
             </a:r>
             <a:r>
@@ -27398,10 +27373,9 @@
               <a:t> </a:t>
             </a:r>
             <a:r>
-              <a:rPr lang="it-IT" dirty="0" err="1"/>
+              <a:rPr lang="en-US" dirty="0"/>
               <a:t>bound</a:t>
             </a:r>
-            <a:endParaRPr lang="en-US" dirty="0"/>
           </a:p>
         </p:txBody>
       </p:sp>

--- a/slides/presentazione 21-05-19.pptx
+++ b/slides/presentazione 21-05-19.pptx
@@ -500,6 +500,332 @@
     </a:lvl9pPr>
   </p:notesStyle>
 </p:notesMaster>
+</file>
+
+<file path=ppt/notesSlides/notesSlide1.xml><?xml version="1.0" encoding="utf-8"?>
+<p:notes xmlns:a="http://schemas.openxmlformats.org/drawingml/2006/main" xmlns:r="http://schemas.openxmlformats.org/officeDocument/2006/relationships" xmlns:p="http://schemas.openxmlformats.org/presentationml/2006/main">
+  <p:cSld>
+    <p:spTree>
+      <p:nvGrpSpPr>
+        <p:cNvPr id="1" name=""/>
+        <p:cNvGrpSpPr/>
+        <p:nvPr/>
+      </p:nvGrpSpPr>
+      <p:grpSpPr>
+        <a:xfrm>
+          <a:off x="0" y="0"/>
+          <a:ext cx="0" cy="0"/>
+          <a:chOff x="0" y="0"/>
+          <a:chExt cx="0" cy="0"/>
+        </a:xfrm>
+      </p:grpSpPr>
+      <p:sp>
+        <p:nvSpPr>
+          <p:cNvPr id="2" name="Segnaposto immagine diapositiva 1"/>
+          <p:cNvSpPr>
+            <a:spLocks noGrp="1" noRot="1" noChangeAspect="1"/>
+          </p:cNvSpPr>
+          <p:nvPr>
+            <p:ph type="sldImg"/>
+          </p:nvPr>
+        </p:nvSpPr>
+        <p:spPr/>
+      </p:sp>
+      <p:sp>
+        <p:nvSpPr>
+          <p:cNvPr id="3" name="Segnaposto note 2"/>
+          <p:cNvSpPr>
+            <a:spLocks noGrp="1"/>
+          </p:cNvSpPr>
+          <p:nvPr>
+            <p:ph type="body" idx="1"/>
+          </p:nvPr>
+        </p:nvSpPr>
+        <p:spPr/>
+        <p:txBody>
+          <a:bodyPr/>
+          <a:lstStyle/>
+          <a:p>
+            <a:r>
+              <a:rPr lang="it-IT" dirty="0"/>
+              <a:t>R = 562.3413</a:t>
+            </a:r>
+          </a:p>
+          <a:p>
+            <a:r>
+              <a:rPr lang="it-IT" dirty="0"/>
+              <a:t>T_R = 0.3749 s</a:t>
+            </a:r>
+          </a:p>
+          <a:p>
+            <a:pPr marL="0" marR="0" lvl="0" indent="0" algn="l" defTabSz="914400" rtl="0" eaLnBrk="1" fontAlgn="auto" latinLnBrk="0" hangingPunct="1">
+              <a:lnSpc>
+                <a:spcPct val="100000"/>
+              </a:lnSpc>
+              <a:spcBef>
+                <a:spcPts val="0"/>
+              </a:spcBef>
+              <a:spcAft>
+                <a:spcPts val="0"/>
+              </a:spcAft>
+              <a:buClrTx/>
+              <a:buSzTx/>
+              <a:buFontTx/>
+              <a:buNone/>
+              <a:tabLst/>
+              <a:defRPr/>
+            </a:pPr>
+            <a:r>
+              <a:rPr lang="it-IT" dirty="0"/>
+              <a:t>1 </a:t>
+            </a:r>
+            <a:r>
+              <a:rPr lang="it-IT" dirty="0" err="1"/>
+              <a:t>kn</a:t>
+            </a:r>
+            <a:r>
+              <a:rPr lang="it-IT" dirty="0"/>
+              <a:t> = </a:t>
+            </a:r>
+            <a:r>
+              <a:rPr lang="en-US" sz="1200" b="0" i="0" kern="1200" dirty="0">
+                <a:solidFill>
+                  <a:schemeClr val="tx1"/>
+                </a:solidFill>
+                <a:effectLst/>
+                <a:latin typeface="+mn-lt"/>
+                <a:ea typeface="+mn-ea"/>
+                <a:cs typeface="+mn-cs"/>
+              </a:rPr>
+              <a:t>0,514 </a:t>
+            </a:r>
+            <a:r>
+              <a:rPr lang="en-US" sz="1200" b="0" i="0" u="none" strike="noStrike" kern="1200" dirty="0">
+                <a:solidFill>
+                  <a:schemeClr val="tx1"/>
+                </a:solidFill>
+                <a:effectLst/>
+                <a:latin typeface="+mn-lt"/>
+                <a:ea typeface="+mn-ea"/>
+                <a:cs typeface="+mn-cs"/>
+              </a:rPr>
+              <a:t>m/s</a:t>
+            </a:r>
+            <a:endParaRPr lang="en-US" sz="1200" b="0" i="0" kern="1200" dirty="0">
+              <a:solidFill>
+                <a:schemeClr val="tx1"/>
+              </a:solidFill>
+              <a:effectLst/>
+              <a:latin typeface="+mn-lt"/>
+              <a:ea typeface="+mn-ea"/>
+              <a:cs typeface="+mn-cs"/>
+            </a:endParaRPr>
+          </a:p>
+        </p:txBody>
+      </p:sp>
+      <p:sp>
+        <p:nvSpPr>
+          <p:cNvPr id="4" name="Segnaposto numero diapositiva 3"/>
+          <p:cNvSpPr>
+            <a:spLocks noGrp="1"/>
+          </p:cNvSpPr>
+          <p:nvPr>
+            <p:ph type="sldNum" sz="quarter" idx="5"/>
+          </p:nvPr>
+        </p:nvSpPr>
+        <p:spPr/>
+        <p:txBody>
+          <a:bodyPr/>
+          <a:lstStyle/>
+          <a:p>
+            <a:fld id="{C40395BB-575F-4B8D-BDB5-1D314BA51C2E}" type="slidenum">
+              <a:rPr lang="en-US" smtClean="0"/>
+              <a:t>15</a:t>
+            </a:fld>
+            <a:endParaRPr lang="en-US" dirty="0"/>
+          </a:p>
+        </p:txBody>
+      </p:sp>
+    </p:spTree>
+    <p:extLst>
+      <p:ext uri="{BB962C8B-B14F-4D97-AF65-F5344CB8AC3E}">
+        <p14:creationId xmlns:p14="http://schemas.microsoft.com/office/powerpoint/2010/main" val="1324118126"/>
+      </p:ext>
+    </p:extLst>
+  </p:cSld>
+  <p:clrMapOvr>
+    <a:masterClrMapping/>
+  </p:clrMapOvr>
+</p:notes>
+</file>
+
+<file path=ppt/notesSlides/notesSlide2.xml><?xml version="1.0" encoding="utf-8"?>
+<p:notes xmlns:a="http://schemas.openxmlformats.org/drawingml/2006/main" xmlns:r="http://schemas.openxmlformats.org/officeDocument/2006/relationships" xmlns:p="http://schemas.openxmlformats.org/presentationml/2006/main">
+  <p:cSld>
+    <p:spTree>
+      <p:nvGrpSpPr>
+        <p:cNvPr id="1" name=""/>
+        <p:cNvGrpSpPr/>
+        <p:nvPr/>
+      </p:nvGrpSpPr>
+      <p:grpSpPr>
+        <a:xfrm>
+          <a:off x="0" y="0"/>
+          <a:ext cx="0" cy="0"/>
+          <a:chOff x="0" y="0"/>
+          <a:chExt cx="0" cy="0"/>
+        </a:xfrm>
+      </p:grpSpPr>
+      <p:sp>
+        <p:nvSpPr>
+          <p:cNvPr id="2" name="Segnaposto immagine diapositiva 1"/>
+          <p:cNvSpPr>
+            <a:spLocks noGrp="1" noRot="1" noChangeAspect="1"/>
+          </p:cNvSpPr>
+          <p:nvPr>
+            <p:ph type="sldImg"/>
+          </p:nvPr>
+        </p:nvSpPr>
+        <p:spPr/>
+      </p:sp>
+      <p:sp>
+        <p:nvSpPr>
+          <p:cNvPr id="3" name="Segnaposto note 2"/>
+          <p:cNvSpPr>
+            <a:spLocks noGrp="1"/>
+          </p:cNvSpPr>
+          <p:nvPr>
+            <p:ph type="body" idx="1"/>
+          </p:nvPr>
+        </p:nvSpPr>
+        <p:spPr/>
+        <p:txBody>
+          <a:bodyPr/>
+          <a:lstStyle/>
+          <a:p>
+            <a:r>
+              <a:rPr lang="it-IT" dirty="0"/>
+              <a:t>Sabbia fine</a:t>
+            </a:r>
+          </a:p>
+          <a:p>
+            <a:r>
+              <a:rPr lang="it-IT" dirty="0"/>
+              <a:t>Acqua a 20°C</a:t>
+            </a:r>
+          </a:p>
+          <a:p>
+            <a:r>
+              <a:rPr lang="it-IT" dirty="0"/>
+              <a:t>R =61.6991 m</a:t>
+            </a:r>
+          </a:p>
+          <a:p>
+            <a:r>
+              <a:rPr lang="it-IT" dirty="0"/>
+              <a:t>T_R = 0.0411 s</a:t>
+            </a:r>
+          </a:p>
+          <a:p>
+            <a:pPr marL="0" marR="0" lvl="0" indent="0" algn="l" defTabSz="914400" rtl="0" eaLnBrk="1" fontAlgn="auto" latinLnBrk="0" hangingPunct="1">
+              <a:lnSpc>
+                <a:spcPct val="100000"/>
+              </a:lnSpc>
+              <a:spcBef>
+                <a:spcPts val="0"/>
+              </a:spcBef>
+              <a:spcAft>
+                <a:spcPts val="0"/>
+              </a:spcAft>
+              <a:buClrTx/>
+              <a:buSzTx/>
+              <a:buFontTx/>
+              <a:buNone/>
+              <a:tabLst/>
+              <a:defRPr/>
+            </a:pPr>
+            <a:r>
+              <a:rPr lang="it-IT" dirty="0"/>
+              <a:t>1 </a:t>
+            </a:r>
+            <a:r>
+              <a:rPr lang="it-IT" dirty="0" err="1"/>
+              <a:t>kn</a:t>
+            </a:r>
+            <a:r>
+              <a:rPr lang="it-IT" dirty="0"/>
+              <a:t> = </a:t>
+            </a:r>
+            <a:r>
+              <a:rPr lang="en-US" sz="1200" b="0" i="0" kern="1200" dirty="0">
+                <a:solidFill>
+                  <a:schemeClr val="tx1"/>
+                </a:solidFill>
+                <a:effectLst/>
+                <a:latin typeface="+mn-lt"/>
+                <a:ea typeface="+mn-ea"/>
+                <a:cs typeface="+mn-cs"/>
+              </a:rPr>
+              <a:t>0,514 </a:t>
+            </a:r>
+            <a:r>
+              <a:rPr lang="en-US" sz="1200" b="0" i="0" u="none" strike="noStrike" kern="1200" dirty="0">
+                <a:solidFill>
+                  <a:schemeClr val="tx1"/>
+                </a:solidFill>
+                <a:effectLst/>
+                <a:latin typeface="+mn-lt"/>
+                <a:ea typeface="+mn-ea"/>
+                <a:cs typeface="+mn-cs"/>
+              </a:rPr>
+              <a:t>m/s</a:t>
+            </a:r>
+            <a:endParaRPr lang="en-US" sz="1200" b="0" i="0" kern="1200" dirty="0">
+              <a:solidFill>
+                <a:schemeClr val="tx1"/>
+              </a:solidFill>
+              <a:effectLst/>
+              <a:latin typeface="+mn-lt"/>
+              <a:ea typeface="+mn-ea"/>
+              <a:cs typeface="+mn-cs"/>
+            </a:endParaRPr>
+          </a:p>
+        </p:txBody>
+      </p:sp>
+      <p:sp>
+        <p:nvSpPr>
+          <p:cNvPr id="4" name="Segnaposto numero diapositiva 3"/>
+          <p:cNvSpPr>
+            <a:spLocks noGrp="1"/>
+          </p:cNvSpPr>
+          <p:nvPr>
+            <p:ph type="sldNum" sz="quarter" idx="5"/>
+          </p:nvPr>
+        </p:nvSpPr>
+        <p:spPr/>
+        <p:txBody>
+          <a:bodyPr/>
+          <a:lstStyle/>
+          <a:p>
+            <a:fld id="{C40395BB-575F-4B8D-BDB5-1D314BA51C2E}" type="slidenum">
+              <a:rPr lang="en-US" smtClean="0"/>
+              <a:t>16</a:t>
+            </a:fld>
+            <a:endParaRPr lang="en-US" dirty="0"/>
+          </a:p>
+        </p:txBody>
+      </p:sp>
+    </p:spTree>
+    <p:extLst>
+      <p:ext uri="{BB962C8B-B14F-4D97-AF65-F5344CB8AC3E}">
+        <p14:creationId xmlns:p14="http://schemas.microsoft.com/office/powerpoint/2010/main" val="3558255998"/>
+      </p:ext>
+    </p:extLst>
+  </p:cSld>
+  <p:clrMapOvr>
+    <a:masterClrMapping/>
+  </p:clrMapOvr>
+</p:notes>
 </file>
 
 <file path=ppt/slideLayouts/slideLayout1.xml><?xml version="1.0" encoding="utf-8"?>
@@ -5064,8 +5390,8 @@
           </a:p>
         </p:txBody>
       </p:sp>
-      <mc:AlternateContent xmlns:mc="http://schemas.openxmlformats.org/markup-compatibility/2006">
-        <mc:Choice xmlns:a14="http://schemas.microsoft.com/office/drawing/2010/main" Requires="a14">
+      <mc:AlternateContent xmlns:mc="http://schemas.openxmlformats.org/markup-compatibility/2006" xmlns:a14="http://schemas.microsoft.com/office/drawing/2010/main">
+        <mc:Choice Requires="a14">
           <p:sp>
             <p:nvSpPr>
               <p:cNvPr id="11" name="CasellaDiTesto 10"/>
@@ -5406,7 +5732,7 @@
             </p:txBody>
           </p:sp>
         </mc:Choice>
-        <mc:Fallback>
+        <mc:Fallback xmlns="">
           <p:sp>
             <p:nvSpPr>
               <p:cNvPr id="11" name="CasellaDiTesto 10"/>
@@ -6484,8 +6810,8 @@
           </a:p>
         </p:txBody>
       </p:sp>
-      <mc:AlternateContent xmlns:mc="http://schemas.openxmlformats.org/markup-compatibility/2006">
-        <mc:Choice xmlns:a14="http://schemas.microsoft.com/office/drawing/2010/main" Requires="a14">
+      <mc:AlternateContent xmlns:mc="http://schemas.openxmlformats.org/markup-compatibility/2006" xmlns:a14="http://schemas.microsoft.com/office/drawing/2010/main">
+        <mc:Choice Requires="a14">
           <p:sp>
             <p:nvSpPr>
               <p:cNvPr id="11" name="CasellaDiTesto 10"/>
@@ -7065,7 +7391,7 @@
             </p:txBody>
           </p:sp>
         </mc:Choice>
-        <mc:Fallback>
+        <mc:Fallback xmlns="">
           <p:sp>
             <p:nvSpPr>
               <p:cNvPr id="11" name="CasellaDiTesto 10"/>
@@ -8292,7 +8618,7 @@
           <p:nvPr/>
         </p:nvPicPr>
         <p:blipFill>
-          <a:blip r:embed="rId2">
+          <a:blip r:embed="rId3">
             <a:extLst>
               <a:ext uri="{28A0092B-C50C-407E-A947-70E740481C1C}">
                 <a14:useLocalDpi xmlns:a14="http://schemas.microsoft.com/office/drawing/2010/main" val="0"/>
@@ -8322,7 +8648,7 @@
           <p:nvPr/>
         </p:nvPicPr>
         <p:blipFill>
-          <a:blip r:embed="rId3">
+          <a:blip r:embed="rId4">
             <a:extLst>
               <a:ext uri="{28A0092B-C50C-407E-A947-70E740481C1C}">
                 <a14:useLocalDpi xmlns:a14="http://schemas.microsoft.com/office/drawing/2010/main" val="0"/>
@@ -9230,7 +9556,7 @@
                       </a:txBody>
                       <a:tcPr>
                         <a:blipFill>
-                          <a:blip r:embed="rId4"/>
+                          <a:blip r:embed="rId5"/>
                           <a:stretch>
                             <a:fillRect t="-562" r="-100000"/>
                           </a:stretch>
@@ -9247,7 +9573,7 @@
                       </a:txBody>
                       <a:tcPr>
                         <a:blipFill>
-                          <a:blip r:embed="rId4"/>
+                          <a:blip r:embed="rId5"/>
                           <a:stretch>
                             <a:fillRect l="-100000" t="-562"/>
                           </a:stretch>
@@ -9553,7 +9879,7 @@
                 <a:avLst/>
               </a:prstGeom>
               <a:blipFill>
-                <a:blip r:embed="rId5"/>
+                <a:blip r:embed="rId6"/>
                 <a:stretch>
                   <a:fillRect t="-116393" b="-175410"/>
                 </a:stretch>
@@ -9836,7 +10162,7 @@
                 <a:avLst/>
               </a:prstGeom>
               <a:blipFill>
-                <a:blip r:embed="rId6"/>
+                <a:blip r:embed="rId7"/>
                 <a:stretch>
                   <a:fillRect/>
                 </a:stretch>
@@ -9941,7 +10267,7 @@
           <p:nvPr/>
         </p:nvPicPr>
         <p:blipFill>
-          <a:blip r:embed="rId2">
+          <a:blip r:embed="rId3">
             <a:extLst>
               <a:ext uri="{28A0092B-C50C-407E-A947-70E740481C1C}">
                 <a14:useLocalDpi xmlns:a14="http://schemas.microsoft.com/office/drawing/2010/main" val="0"/>
@@ -9971,7 +10297,7 @@
           <p:nvPr/>
         </p:nvPicPr>
         <p:blipFill>
-          <a:blip r:embed="rId3">
+          <a:blip r:embed="rId4">
             <a:extLst>
               <a:ext uri="{28A0092B-C50C-407E-A947-70E740481C1C}">
                 <a14:useLocalDpi xmlns:a14="http://schemas.microsoft.com/office/drawing/2010/main" val="0"/>
@@ -10420,7 +10746,7 @@
                 <a:avLst/>
               </a:prstGeom>
               <a:blipFill>
-                <a:blip r:embed="rId4"/>
+                <a:blip r:embed="rId5"/>
                 <a:stretch>
                   <a:fillRect/>
                 </a:stretch>
@@ -11188,7 +11514,7 @@
                       </a:txBody>
                       <a:tcPr>
                         <a:blipFill>
-                          <a:blip r:embed="rId5"/>
+                          <a:blip r:embed="rId6"/>
                           <a:stretch>
                             <a:fillRect t="-562" r="-100000"/>
                           </a:stretch>
@@ -11205,7 +11531,7 @@
                       </a:txBody>
                       <a:tcPr>
                         <a:blipFill>
-                          <a:blip r:embed="rId5"/>
+                          <a:blip r:embed="rId6"/>
                           <a:stretch>
                             <a:fillRect l="-100000" t="-562"/>
                           </a:stretch>
@@ -11516,7 +11842,7 @@
                 <a:avLst/>
               </a:prstGeom>
               <a:blipFill>
-                <a:blip r:embed="rId6"/>
+                <a:blip r:embed="rId7"/>
                 <a:stretch>
                   <a:fillRect t="-116393" b="-175410"/>
                 </a:stretch>
@@ -15383,8 +15709,8 @@
           </a:p>
         </p:txBody>
       </p:sp>
-      <mc:AlternateContent xmlns:mc="http://schemas.openxmlformats.org/markup-compatibility/2006" xmlns:a14="http://schemas.microsoft.com/office/drawing/2010/main">
-        <mc:Choice Requires="a14">
+      <mc:AlternateContent xmlns:mc="http://schemas.openxmlformats.org/markup-compatibility/2006">
+        <mc:Choice xmlns:a14="http://schemas.microsoft.com/office/drawing/2010/main" Requires="a14">
           <p:graphicFrame>
             <p:nvGraphicFramePr>
               <p:cNvPr id="9" name="Tabella 8">
@@ -15398,7 +15724,11 @@
                 <a:graphicFrameLocks noGrp="1"/>
               </p:cNvGraphicFramePr>
               <p:nvPr>
-                <p:extLst/>
+                <p:extLst>
+                  <p:ext uri="{D42A27DB-BD31-4B8C-83A1-F6EECF244321}">
+                    <p14:modId xmlns:p14="http://schemas.microsoft.com/office/powerpoint/2010/main" val="2559250393"/>
+                  </p:ext>
+                </p:extLst>
               </p:nvPr>
             </p:nvGraphicFramePr>
             <p:xfrm>
@@ -15644,7 +15974,7 @@
                           <a:pPr algn="ctr"/>
                           <a:r>
                             <a:rPr lang="es-ES" sz="1600" dirty="0"/>
-                            <a:t>1.163705 ± 0.125673</a:t>
+                            <a:t>0.979798 ± 0.024702</a:t>
                           </a:r>
                         </a:p>
                       </a:txBody>
@@ -16105,7 +16435,7 @@
             </a:graphic>
           </p:graphicFrame>
         </mc:Choice>
-        <mc:Fallback xmlns="">
+        <mc:Fallback>
           <p:graphicFrame>
             <p:nvGraphicFramePr>
               <p:cNvPr id="9" name="Tabella 8">
@@ -16119,7 +16449,11 @@
                 <a:graphicFrameLocks noGrp="1"/>
               </p:cNvGraphicFramePr>
               <p:nvPr>
-                <p:extLst/>
+                <p:extLst>
+                  <p:ext uri="{D42A27DB-BD31-4B8C-83A1-F6EECF244321}">
+                    <p14:modId xmlns:p14="http://schemas.microsoft.com/office/powerpoint/2010/main" val="2559250393"/>
+                  </p:ext>
+                </p:extLst>
               </p:nvPr>
             </p:nvGraphicFramePr>
             <p:xfrm>
@@ -16247,7 +16581,7 @@
                           <a:pPr algn="ctr"/>
                           <a:r>
                             <a:rPr lang="es-ES" sz="1600" dirty="0"/>
-                            <a:t>1.163705 ± 0.125673</a:t>
+                            <a:t>0.979798 ± 0.024702</a:t>
                           </a:r>
                         </a:p>
                       </a:txBody>
@@ -22036,8 +22370,8 @@
           </p:sp>
         </mc:Fallback>
       </mc:AlternateContent>
-      <mc:AlternateContent xmlns:mc="http://schemas.openxmlformats.org/markup-compatibility/2006" xmlns:a14="http://schemas.microsoft.com/office/drawing/2010/main">
-        <mc:Choice Requires="a14">
+      <mc:AlternateContent xmlns:mc="http://schemas.openxmlformats.org/markup-compatibility/2006">
+        <mc:Choice xmlns:a14="http://schemas.microsoft.com/office/drawing/2010/main" Requires="a14">
           <p:sp>
             <p:nvSpPr>
               <p:cNvPr id="14" name="CasellaDiTesto 13">
@@ -22169,7 +22503,13 @@
                       <a:rPr lang="it-IT" b="0" i="1" smtClean="0">
                         <a:latin typeface="Cambria Math" panose="02040503050406030204" pitchFamily="18" charset="0"/>
                       </a:rPr>
-                      <m:t>1.164 </m:t>
+                      <m:t>0.98</m:t>
+                    </m:r>
+                    <m:r>
+                      <a:rPr lang="it-IT" b="0" i="1" smtClean="0">
+                        <a:latin typeface="Cambria Math" panose="02040503050406030204" pitchFamily="18" charset="0"/>
+                      </a:rPr>
+                      <m:t> </m:t>
                     </m:r>
                     <m:r>
                       <a:rPr lang="it-IT" i="1">
@@ -22186,7 +22526,7 @@
             </p:txBody>
           </p:sp>
         </mc:Choice>
-        <mc:Fallback xmlns="">
+        <mc:Fallback>
           <p:sp>
             <p:nvSpPr>
               <p:cNvPr id="14" name="CasellaDiTesto 13">
@@ -22789,7 +23129,7 @@
                 <a:latin typeface="Gill Sans Light"/>
                 <a:cs typeface="Gill Sans Light"/>
               </a:rPr>
-              <a:t>Different outliers rejection</a:t>
+              <a:t>Different outliers replacement</a:t>
             </a:r>
           </a:p>
           <a:p>
@@ -24114,8 +24454,8 @@
           </a:p>
         </p:txBody>
       </p:sp>
-      <mc:AlternateContent xmlns:mc="http://schemas.openxmlformats.org/markup-compatibility/2006" xmlns:a14="http://schemas.microsoft.com/office/drawing/2010/main">
-        <mc:Choice Requires="a14">
+      <mc:AlternateContent xmlns:mc="http://schemas.openxmlformats.org/markup-compatibility/2006">
+        <mc:Choice xmlns:a14="http://schemas.microsoft.com/office/drawing/2010/main" Requires="a14">
           <p:graphicFrame>
             <p:nvGraphicFramePr>
               <p:cNvPr id="9" name="Tabella 8">
@@ -24131,7 +24471,7 @@
               <p:nvPr>
                 <p:extLst>
                   <p:ext uri="{D42A27DB-BD31-4B8C-83A1-F6EECF244321}">
-                    <p14:modId xmlns:p14="http://schemas.microsoft.com/office/powerpoint/2010/main" val="1222545880"/>
+                    <p14:modId xmlns:p14="http://schemas.microsoft.com/office/powerpoint/2010/main" val="1122959283"/>
                   </p:ext>
                 </p:extLst>
               </p:nvPr>
@@ -24379,7 +24719,7 @@
                           <a:pPr algn="ctr"/>
                           <a:r>
                             <a:rPr lang="es-ES" sz="1600" dirty="0"/>
-                            <a:t>1.163705 ± 0.125673</a:t>
+                            <a:t>0.979798 ± 0.024702</a:t>
                           </a:r>
                         </a:p>
                       </a:txBody>
@@ -24840,7 +25180,7 @@
             </a:graphic>
           </p:graphicFrame>
         </mc:Choice>
-        <mc:Fallback xmlns="">
+        <mc:Fallback>
           <p:graphicFrame>
             <p:nvGraphicFramePr>
               <p:cNvPr id="9" name="Tabella 8">
@@ -24856,7 +25196,7 @@
               <p:nvPr>
                 <p:extLst>
                   <p:ext uri="{D42A27DB-BD31-4B8C-83A1-F6EECF244321}">
-                    <p14:modId xmlns:p14="http://schemas.microsoft.com/office/powerpoint/2010/main" val="1222545880"/>
+                    <p14:modId xmlns:p14="http://schemas.microsoft.com/office/powerpoint/2010/main" val="1122959283"/>
                   </p:ext>
                 </p:extLst>
               </p:nvPr>
@@ -24986,7 +25326,7 @@
                           <a:pPr algn="ctr"/>
                           <a:r>
                             <a:rPr lang="es-ES" sz="1600" dirty="0"/>
-                            <a:t>1.163705 ± 0.125673</a:t>
+                            <a:t>0.979798 ± 0.024702</a:t>
                           </a:r>
                         </a:p>
                       </a:txBody>

--- a/slides/presentazione 21-05-19.pptx
+++ b/slides/presentazione 21-05-19.pptx
@@ -580,7 +580,7 @@
               <a:t>1 </a:t>
             </a:r>
             <a:r>
-              <a:rPr lang="it-IT" dirty="0" err="1"/>
+              <a:rPr lang="en-US" noProof="0" dirty="0"/>
               <a:t>kn</a:t>
             </a:r>
             <a:r>
@@ -746,15 +746,7 @@
             </a:pPr>
             <a:r>
               <a:rPr lang="it-IT" dirty="0"/>
-              <a:t>1 </a:t>
-            </a:r>
-            <a:r>
-              <a:rPr lang="it-IT" dirty="0" err="1"/>
-              <a:t>kn</a:t>
-            </a:r>
-            <a:r>
-              <a:rPr lang="it-IT" dirty="0"/>
-              <a:t> = </a:t>
+              <a:t>1 kn = </a:t>
             </a:r>
             <a:r>
               <a:rPr lang="en-US" sz="1200" b="0" i="0" kern="1200" dirty="0">
@@ -5390,8 +5382,8 @@
           </a:p>
         </p:txBody>
       </p:sp>
-      <mc:AlternateContent xmlns:mc="http://schemas.openxmlformats.org/markup-compatibility/2006" xmlns:a14="http://schemas.microsoft.com/office/drawing/2010/main">
-        <mc:Choice Requires="a14">
+      <mc:AlternateContent xmlns:mc="http://schemas.openxmlformats.org/markup-compatibility/2006">
+        <mc:Choice xmlns:a14="http://schemas.microsoft.com/office/drawing/2010/main" Requires="a14">
           <p:sp>
             <p:nvSpPr>
               <p:cNvPr id="11" name="CasellaDiTesto 10"/>
@@ -5419,7 +5411,7 @@
                   <a:buChar char="•"/>
                 </a:pPr>
                 <a:r>
-                  <a:rPr lang="it-IT" dirty="0" err="1">
+                  <a:rPr lang="en-US" dirty="0">
                     <a:latin typeface="Gill Sans Light"/>
                     <a:cs typeface="Gill Sans Light"/>
                   </a:rPr>
@@ -5732,7 +5724,7 @@
             </p:txBody>
           </p:sp>
         </mc:Choice>
-        <mc:Fallback xmlns="">
+        <mc:Fallback>
           <p:sp>
             <p:nvSpPr>
               <p:cNvPr id="11" name="CasellaDiTesto 10"/>
@@ -15709,8 +15701,8 @@
           </a:p>
         </p:txBody>
       </p:sp>
-      <mc:AlternateContent xmlns:mc="http://schemas.openxmlformats.org/markup-compatibility/2006">
-        <mc:Choice xmlns:a14="http://schemas.microsoft.com/office/drawing/2010/main" Requires="a14">
+      <mc:AlternateContent xmlns:mc="http://schemas.openxmlformats.org/markup-compatibility/2006" xmlns:a14="http://schemas.microsoft.com/office/drawing/2010/main">
+        <mc:Choice Requires="a14">
           <p:graphicFrame>
             <p:nvGraphicFramePr>
               <p:cNvPr id="9" name="Tabella 8">
@@ -16435,7 +16427,7 @@
             </a:graphic>
           </p:graphicFrame>
         </mc:Choice>
-        <mc:Fallback>
+        <mc:Fallback xmlns="">
           <p:graphicFrame>
             <p:nvGraphicFramePr>
               <p:cNvPr id="9" name="Tabella 8">
@@ -22370,8 +22362,8 @@
           </p:sp>
         </mc:Fallback>
       </mc:AlternateContent>
-      <mc:AlternateContent xmlns:mc="http://schemas.openxmlformats.org/markup-compatibility/2006">
-        <mc:Choice xmlns:a14="http://schemas.microsoft.com/office/drawing/2010/main" Requires="a14">
+      <mc:AlternateContent xmlns:mc="http://schemas.openxmlformats.org/markup-compatibility/2006" xmlns:a14="http://schemas.microsoft.com/office/drawing/2010/main">
+        <mc:Choice Requires="a14">
           <p:sp>
             <p:nvSpPr>
               <p:cNvPr id="14" name="CasellaDiTesto 13">
@@ -22503,13 +22495,7 @@
                       <a:rPr lang="it-IT" b="0" i="1" smtClean="0">
                         <a:latin typeface="Cambria Math" panose="02040503050406030204" pitchFamily="18" charset="0"/>
                       </a:rPr>
-                      <m:t>0.98</m:t>
-                    </m:r>
-                    <m:r>
-                      <a:rPr lang="it-IT" b="0" i="1" smtClean="0">
-                        <a:latin typeface="Cambria Math" panose="02040503050406030204" pitchFamily="18" charset="0"/>
-                      </a:rPr>
-                      <m:t> </m:t>
+                      <m:t>0.98 </m:t>
                     </m:r>
                     <m:r>
                       <a:rPr lang="it-IT" i="1">
@@ -22526,7 +22512,7 @@
             </p:txBody>
           </p:sp>
         </mc:Choice>
-        <mc:Fallback>
+        <mc:Fallback xmlns="">
           <p:sp>
             <p:nvSpPr>
               <p:cNvPr id="14" name="CasellaDiTesto 13">
@@ -24454,8 +24440,8 @@
           </a:p>
         </p:txBody>
       </p:sp>
-      <mc:AlternateContent xmlns:mc="http://schemas.openxmlformats.org/markup-compatibility/2006">
-        <mc:Choice xmlns:a14="http://schemas.microsoft.com/office/drawing/2010/main" Requires="a14">
+      <mc:AlternateContent xmlns:mc="http://schemas.openxmlformats.org/markup-compatibility/2006" xmlns:a14="http://schemas.microsoft.com/office/drawing/2010/main">
+        <mc:Choice Requires="a14">
           <p:graphicFrame>
             <p:nvGraphicFramePr>
               <p:cNvPr id="9" name="Tabella 8">
@@ -25180,7 +25166,7 @@
             </a:graphic>
           </p:graphicFrame>
         </mc:Choice>
-        <mc:Fallback>
+        <mc:Fallback xmlns="">
           <p:graphicFrame>
             <p:nvGraphicFramePr>
               <p:cNvPr id="9" name="Tabella 8">
@@ -27253,7 +27239,7 @@
                 <a:latin typeface="Gill Sans Light"/>
                 <a:cs typeface="Gill Sans Light"/>
               </a:rPr>
-              <a:t>No steering among the inspected area</a:t>
+              <a:t>No steering in the inspected area</a:t>
             </a:r>
           </a:p>
           <a:p>
